--- a/trunk/Documentos/mapa navegacional.pptx
+++ b/trunk/Documentos/mapa navegacional.pptx
@@ -212,7 +212,7 @@
           <a:p>
             <a:fld id="{D56528A0-FCD9-4CA3-A1F8-A93FC30FFC54}" type="datetimeFigureOut">
               <a:rPr lang="es-CO" smtClean="0"/>
-              <a:t>25/03/2014</a:t>
+              <a:t>27/03/2014</a:t>
             </a:fld>
             <a:endParaRPr lang="es-CO"/>
           </a:p>
@@ -967,7 +967,7 @@
           <a:p>
             <a:fld id="{C8FC6882-9983-425E-8ADC-A3D5216CFB3A}" type="datetimeFigureOut">
               <a:rPr lang="es-CO" smtClean="0"/>
-              <a:t>25/03/2014</a:t>
+              <a:t>27/03/2014</a:t>
             </a:fld>
             <a:endParaRPr lang="es-CO"/>
           </a:p>
@@ -1137,7 +1137,7 @@
           <a:p>
             <a:fld id="{C8FC6882-9983-425E-8ADC-A3D5216CFB3A}" type="datetimeFigureOut">
               <a:rPr lang="es-CO" smtClean="0"/>
-              <a:t>25/03/2014</a:t>
+              <a:t>27/03/2014</a:t>
             </a:fld>
             <a:endParaRPr lang="es-CO"/>
           </a:p>
@@ -1317,7 +1317,7 @@
           <a:p>
             <a:fld id="{C8FC6882-9983-425E-8ADC-A3D5216CFB3A}" type="datetimeFigureOut">
               <a:rPr lang="es-CO" smtClean="0"/>
-              <a:t>25/03/2014</a:t>
+              <a:t>27/03/2014</a:t>
             </a:fld>
             <a:endParaRPr lang="es-CO"/>
           </a:p>
@@ -1487,7 +1487,7 @@
           <a:p>
             <a:fld id="{C8FC6882-9983-425E-8ADC-A3D5216CFB3A}" type="datetimeFigureOut">
               <a:rPr lang="es-CO" smtClean="0"/>
-              <a:t>25/03/2014</a:t>
+              <a:t>27/03/2014</a:t>
             </a:fld>
             <a:endParaRPr lang="es-CO"/>
           </a:p>
@@ -1731,7 +1731,7 @@
           <a:p>
             <a:fld id="{C8FC6882-9983-425E-8ADC-A3D5216CFB3A}" type="datetimeFigureOut">
               <a:rPr lang="es-CO" smtClean="0"/>
-              <a:t>25/03/2014</a:t>
+              <a:t>27/03/2014</a:t>
             </a:fld>
             <a:endParaRPr lang="es-CO"/>
           </a:p>
@@ -1963,7 +1963,7 @@
           <a:p>
             <a:fld id="{C8FC6882-9983-425E-8ADC-A3D5216CFB3A}" type="datetimeFigureOut">
               <a:rPr lang="es-CO" smtClean="0"/>
-              <a:t>25/03/2014</a:t>
+              <a:t>27/03/2014</a:t>
             </a:fld>
             <a:endParaRPr lang="es-CO"/>
           </a:p>
@@ -2330,7 +2330,7 @@
           <a:p>
             <a:fld id="{C8FC6882-9983-425E-8ADC-A3D5216CFB3A}" type="datetimeFigureOut">
               <a:rPr lang="es-CO" smtClean="0"/>
-              <a:t>25/03/2014</a:t>
+              <a:t>27/03/2014</a:t>
             </a:fld>
             <a:endParaRPr lang="es-CO"/>
           </a:p>
@@ -2448,7 +2448,7 @@
           <a:p>
             <a:fld id="{C8FC6882-9983-425E-8ADC-A3D5216CFB3A}" type="datetimeFigureOut">
               <a:rPr lang="es-CO" smtClean="0"/>
-              <a:t>25/03/2014</a:t>
+              <a:t>27/03/2014</a:t>
             </a:fld>
             <a:endParaRPr lang="es-CO"/>
           </a:p>
@@ -2543,7 +2543,7 @@
           <a:p>
             <a:fld id="{C8FC6882-9983-425E-8ADC-A3D5216CFB3A}" type="datetimeFigureOut">
               <a:rPr lang="es-CO" smtClean="0"/>
-              <a:t>25/03/2014</a:t>
+              <a:t>27/03/2014</a:t>
             </a:fld>
             <a:endParaRPr lang="es-CO"/>
           </a:p>
@@ -2820,7 +2820,7 @@
           <a:p>
             <a:fld id="{C8FC6882-9983-425E-8ADC-A3D5216CFB3A}" type="datetimeFigureOut">
               <a:rPr lang="es-CO" smtClean="0"/>
-              <a:t>25/03/2014</a:t>
+              <a:t>27/03/2014</a:t>
             </a:fld>
             <a:endParaRPr lang="es-CO"/>
           </a:p>
@@ -3077,7 +3077,7 @@
           <a:p>
             <a:fld id="{C8FC6882-9983-425E-8ADC-A3D5216CFB3A}" type="datetimeFigureOut">
               <a:rPr lang="es-CO" smtClean="0"/>
-              <a:t>25/03/2014</a:t>
+              <a:t>27/03/2014</a:t>
             </a:fld>
             <a:endParaRPr lang="es-CO"/>
           </a:p>
@@ -3290,7 +3290,7 @@
           <a:p>
             <a:fld id="{C8FC6882-9983-425E-8ADC-A3D5216CFB3A}" type="datetimeFigureOut">
               <a:rPr lang="es-CO" smtClean="0"/>
-              <a:t>25/03/2014</a:t>
+              <a:t>27/03/2014</a:t>
             </a:fld>
             <a:endParaRPr lang="es-CO"/>
           </a:p>
@@ -3697,16 +3697,16 @@
       </p:grpSpPr>
       <p:grpSp>
         <p:nvGrpSpPr>
-          <p:cNvPr id="128" name="Grupo 127"/>
+          <p:cNvPr id="2" name="Grupo 1"/>
           <p:cNvGrpSpPr/>
           <p:nvPr/>
         </p:nvGrpSpPr>
         <p:grpSpPr>
           <a:xfrm>
-            <a:off x="142081" y="258540"/>
-            <a:ext cx="13621287" cy="12000237"/>
-            <a:chOff x="142081" y="258540"/>
-            <a:chExt cx="13621287" cy="12000237"/>
+            <a:off x="142075" y="256122"/>
+            <a:ext cx="13621293" cy="12002655"/>
+            <a:chOff x="142075" y="256122"/>
+            <a:chExt cx="13621293" cy="12002655"/>
           </a:xfrm>
         </p:grpSpPr>
         <p:sp>
@@ -4461,11 +4461,6 @@
                 </a:rPr>
                 <a:t>Actualizar color o material</a:t>
               </a:r>
-              <a:endParaRPr lang="es-CO" sz="1200" dirty="0">
-                <a:solidFill>
-                  <a:schemeClr val="tx1"/>
-                </a:solidFill>
-              </a:endParaRPr>
             </a:p>
           </p:txBody>
         </p:sp>
@@ -4524,11 +4519,6 @@
                 </a:rPr>
                 <a:t>Buscar</a:t>
               </a:r>
-              <a:endParaRPr lang="es-CO" sz="1200" dirty="0">
-                <a:solidFill>
-                  <a:schemeClr val="tx1"/>
-                </a:solidFill>
-              </a:endParaRPr>
             </a:p>
           </p:txBody>
         </p:sp>
@@ -5283,11 +5273,6 @@
                 </a:rPr>
                 <a:t>Ver insumo</a:t>
               </a:r>
-              <a:endParaRPr lang="es-CO" sz="1200" dirty="0">
-                <a:solidFill>
-                  <a:schemeClr val="tx1"/>
-                </a:solidFill>
-              </a:endParaRPr>
             </a:p>
           </p:txBody>
         </p:sp>
@@ -5404,11 +5389,6 @@
                 </a:rPr>
                 <a:t>En extrusión</a:t>
               </a:r>
-              <a:endParaRPr lang="es-CO" sz="1200" dirty="0">
-                <a:solidFill>
-                  <a:schemeClr val="tx1"/>
-                </a:solidFill>
-              </a:endParaRPr>
             </a:p>
           </p:txBody>
         </p:sp>
@@ -5467,11 +5447,6 @@
                 </a:rPr>
                 <a:t>En impresión</a:t>
               </a:r>
-              <a:endParaRPr lang="es-CO" sz="1200" dirty="0">
-                <a:solidFill>
-                  <a:schemeClr val="tx1"/>
-                </a:solidFill>
-              </a:endParaRPr>
             </a:p>
           </p:txBody>
         </p:sp>
@@ -5530,11 +5505,6 @@
                 </a:rPr>
                 <a:t>En sellado</a:t>
               </a:r>
-              <a:endParaRPr lang="es-CO" sz="1200" dirty="0">
-                <a:solidFill>
-                  <a:schemeClr val="tx1"/>
-                </a:solidFill>
-              </a:endParaRPr>
             </a:p>
           </p:txBody>
         </p:sp>
@@ -5593,11 +5563,6 @@
                 </a:rPr>
                 <a:t>Sellador</a:t>
               </a:r>
-              <a:endParaRPr lang="es-CO" sz="1200" dirty="0">
-                <a:solidFill>
-                  <a:schemeClr val="tx1"/>
-                </a:solidFill>
-              </a:endParaRPr>
             </a:p>
           </p:txBody>
         </p:sp>
@@ -7298,11 +7263,6 @@
                 </a:rPr>
                 <a:t>Buscar</a:t>
               </a:r>
-              <a:endParaRPr lang="es-CO" sz="1200" dirty="0">
-                <a:solidFill>
-                  <a:schemeClr val="tx1"/>
-                </a:solidFill>
-              </a:endParaRPr>
             </a:p>
           </p:txBody>
         </p:sp>
@@ -7399,11 +7359,6 @@
                 </a:rPr>
                 <a:t>Eliminar color o material</a:t>
               </a:r>
-              <a:endParaRPr lang="es-CO" sz="1200" dirty="0">
-                <a:solidFill>
-                  <a:schemeClr val="tx1"/>
-                </a:solidFill>
-              </a:endParaRPr>
             </a:p>
           </p:txBody>
         </p:sp>
@@ -7500,11 +7455,6 @@
                 </a:rPr>
                 <a:t>Ver pedido</a:t>
               </a:r>
-              <a:endParaRPr lang="es-CO" sz="1200" dirty="0">
-                <a:solidFill>
-                  <a:schemeClr val="tx1"/>
-                </a:solidFill>
-              </a:endParaRPr>
             </a:p>
           </p:txBody>
         </p:sp>
@@ -7636,11 +7586,6 @@
                 </a:rPr>
                 <a:t>Ver pedido</a:t>
               </a:r>
-              <a:endParaRPr lang="es-CO" sz="1200" dirty="0">
-                <a:solidFill>
-                  <a:schemeClr val="tx1"/>
-                </a:solidFill>
-              </a:endParaRPr>
             </a:p>
           </p:txBody>
         </p:sp>
@@ -7772,11 +7717,6 @@
                 </a:rPr>
                 <a:t>Más información</a:t>
               </a:r>
-              <a:endParaRPr lang="es-CO" sz="1200" dirty="0">
-                <a:solidFill>
-                  <a:schemeClr val="tx1"/>
-                </a:solidFill>
-              </a:endParaRPr>
             </a:p>
           </p:txBody>
         </p:sp>
@@ -7908,11 +7848,6 @@
                 </a:rPr>
                 <a:t>Más información</a:t>
               </a:r>
-              <a:endParaRPr lang="es-CO" sz="1200" dirty="0">
-                <a:solidFill>
-                  <a:schemeClr val="tx1"/>
-                </a:solidFill>
-              </a:endParaRPr>
             </a:p>
           </p:txBody>
         </p:sp>
@@ -8044,11 +7979,6 @@
                 </a:rPr>
                 <a:t>Más información</a:t>
               </a:r>
-              <a:endParaRPr lang="es-CO" sz="1200" dirty="0">
-                <a:solidFill>
-                  <a:schemeClr val="tx1"/>
-                </a:solidFill>
-              </a:endParaRPr>
             </a:p>
           </p:txBody>
         </p:sp>
@@ -8180,11 +8110,6 @@
                 </a:rPr>
                 <a:t>Más información</a:t>
               </a:r>
-              <a:endParaRPr lang="es-CO" sz="1200" dirty="0">
-                <a:solidFill>
-                  <a:schemeClr val="tx1"/>
-                </a:solidFill>
-              </a:endParaRPr>
             </a:p>
           </p:txBody>
         </p:sp>
@@ -8316,11 +8241,6 @@
                 </a:rPr>
                 <a:t>Buscar</a:t>
               </a:r>
-              <a:endParaRPr lang="es-CO" sz="1200" dirty="0">
-                <a:solidFill>
-                  <a:schemeClr val="tx1"/>
-                </a:solidFill>
-              </a:endParaRPr>
             </a:p>
           </p:txBody>
         </p:sp>
@@ -8417,7 +8337,138 @@
                 </a:rPr>
                 <a:t>Más información</a:t>
               </a:r>
-              <a:endParaRPr lang="es-CO" sz="1200" dirty="0">
+            </a:p>
+          </p:txBody>
+        </p:sp>
+        <p:cxnSp>
+          <p:nvCxnSpPr>
+            <p:cNvPr id="123" name="Conector recto 122"/>
+            <p:cNvCxnSpPr/>
+            <p:nvPr/>
+          </p:nvCxnSpPr>
+          <p:spPr>
+            <a:xfrm>
+              <a:off x="3930284" y="11366951"/>
+              <a:ext cx="0" cy="567053"/>
+            </a:xfrm>
+            <a:prstGeom prst="line">
+              <a:avLst/>
+            </a:prstGeom>
+            <a:ln w="15875">
+              <a:solidFill>
+                <a:srgbClr val="DC4437"/>
+              </a:solidFill>
+            </a:ln>
+          </p:spPr>
+          <p:style>
+            <a:lnRef idx="1">
+              <a:schemeClr val="dk1"/>
+            </a:lnRef>
+            <a:fillRef idx="0">
+              <a:schemeClr val="dk1"/>
+            </a:fillRef>
+            <a:effectRef idx="0">
+              <a:schemeClr val="dk1"/>
+            </a:effectRef>
+            <a:fontRef idx="minor">
+              <a:schemeClr val="tx1"/>
+            </a:fontRef>
+          </p:style>
+        </p:cxnSp>
+        <p:cxnSp>
+          <p:nvCxnSpPr>
+            <p:cNvPr id="124" name="Conector recto de flecha 123"/>
+            <p:cNvCxnSpPr>
+              <a:endCxn id="122" idx="1"/>
+            </p:cNvCxnSpPr>
+            <p:nvPr/>
+          </p:nvCxnSpPr>
+          <p:spPr>
+            <a:xfrm>
+              <a:off x="3930286" y="11927157"/>
+              <a:ext cx="135164" cy="1"/>
+            </a:xfrm>
+            <a:prstGeom prst="straightConnector1">
+              <a:avLst/>
+            </a:prstGeom>
+            <a:ln w="15875">
+              <a:solidFill>
+                <a:srgbClr val="DC4437"/>
+              </a:solidFill>
+              <a:tailEnd type="triangle"/>
+            </a:ln>
+          </p:spPr>
+          <p:style>
+            <a:lnRef idx="1">
+              <a:schemeClr val="dk1"/>
+            </a:lnRef>
+            <a:fillRef idx="0">
+              <a:schemeClr val="dk1"/>
+            </a:fillRef>
+            <a:effectRef idx="0">
+              <a:schemeClr val="dk1"/>
+            </a:effectRef>
+            <a:fontRef idx="minor">
+              <a:schemeClr val="tx1"/>
+            </a:fontRef>
+          </p:style>
+        </p:cxnSp>
+        <p:sp>
+          <p:nvSpPr>
+            <p:cNvPr id="127" name="Rectángulo 126"/>
+            <p:cNvSpPr/>
+            <p:nvPr/>
+          </p:nvSpPr>
+          <p:spPr>
+            <a:xfrm>
+              <a:off x="142075" y="256122"/>
+              <a:ext cx="3919941" cy="697924"/>
+            </a:xfrm>
+            <a:prstGeom prst="rect">
+              <a:avLst/>
+            </a:prstGeom>
+            <a:noFill/>
+            <a:ln w="19050">
+              <a:solidFill>
+                <a:srgbClr val="DC4437"/>
+              </a:solidFill>
+            </a:ln>
+          </p:spPr>
+          <p:style>
+            <a:lnRef idx="2">
+              <a:schemeClr val="accent1">
+                <a:shade val="50000"/>
+              </a:schemeClr>
+            </a:lnRef>
+            <a:fillRef idx="1">
+              <a:schemeClr val="accent1"/>
+            </a:fillRef>
+            <a:effectRef idx="0">
+              <a:schemeClr val="accent1"/>
+            </a:effectRef>
+            <a:fontRef idx="minor">
+              <a:schemeClr val="lt1"/>
+            </a:fontRef>
+          </p:style>
+          <p:txBody>
+            <a:bodyPr rot="0" spcFirstLastPara="0" vertOverflow="overflow" horzOverflow="overflow" vert="horz" wrap="square" lIns="50596" tIns="25298" rIns="50596" bIns="25298" numCol="1" spcCol="0" rtlCol="0" fromWordArt="0" anchor="ctr" anchorCtr="0" forceAA="0" compatLnSpc="1">
+              <a:prstTxWarp prst="textNoShape">
+                <a:avLst/>
+              </a:prstTxWarp>
+              <a:noAutofit/>
+            </a:bodyPr>
+            <a:lstStyle/>
+            <a:p>
+              <a:pPr algn="ctr"/>
+              <a:r>
+                <a:rPr lang="es-CO" sz="1800" dirty="0" smtClean="0">
+                  <a:solidFill>
+                    <a:schemeClr val="tx1"/>
+                  </a:solidFill>
+                </a:rPr>
+                <a:t>Mapa de navegación del administrador</a:t>
+              </a:r>
+              <a:endParaRPr lang="es-CO" sz="1800" dirty="0">
                 <a:solidFill>
                   <a:schemeClr val="tx1"/>
                 </a:solidFill>
@@ -8425,143 +8476,7 @@
             </a:p>
           </p:txBody>
         </p:sp>
-        <p:cxnSp>
-          <p:nvCxnSpPr>
-            <p:cNvPr id="123" name="Conector recto 122"/>
-            <p:cNvCxnSpPr/>
-            <p:nvPr/>
-          </p:nvCxnSpPr>
-          <p:spPr>
-            <a:xfrm>
-              <a:off x="3930284" y="11366951"/>
-              <a:ext cx="0" cy="567053"/>
-            </a:xfrm>
-            <a:prstGeom prst="line">
-              <a:avLst/>
-            </a:prstGeom>
-            <a:ln w="15875">
-              <a:solidFill>
-                <a:srgbClr val="DC4437"/>
-              </a:solidFill>
-            </a:ln>
-          </p:spPr>
-          <p:style>
-            <a:lnRef idx="1">
-              <a:schemeClr val="dk1"/>
-            </a:lnRef>
-            <a:fillRef idx="0">
-              <a:schemeClr val="dk1"/>
-            </a:fillRef>
-            <a:effectRef idx="0">
-              <a:schemeClr val="dk1"/>
-            </a:effectRef>
-            <a:fontRef idx="minor">
-              <a:schemeClr val="tx1"/>
-            </a:fontRef>
-          </p:style>
-        </p:cxnSp>
-        <p:cxnSp>
-          <p:nvCxnSpPr>
-            <p:cNvPr id="124" name="Conector recto de flecha 123"/>
-            <p:cNvCxnSpPr>
-              <a:endCxn id="122" idx="1"/>
-            </p:cNvCxnSpPr>
-            <p:nvPr/>
-          </p:nvCxnSpPr>
-          <p:spPr>
-            <a:xfrm>
-              <a:off x="3930286" y="11927157"/>
-              <a:ext cx="135164" cy="1"/>
-            </a:xfrm>
-            <a:prstGeom prst="straightConnector1">
-              <a:avLst/>
-            </a:prstGeom>
-            <a:ln w="15875">
-              <a:solidFill>
-                <a:srgbClr val="DC4437"/>
-              </a:solidFill>
-              <a:tailEnd type="triangle"/>
-            </a:ln>
-          </p:spPr>
-          <p:style>
-            <a:lnRef idx="1">
-              <a:schemeClr val="dk1"/>
-            </a:lnRef>
-            <a:fillRef idx="0">
-              <a:schemeClr val="dk1"/>
-            </a:fillRef>
-            <a:effectRef idx="0">
-              <a:schemeClr val="dk1"/>
-            </a:effectRef>
-            <a:fontRef idx="minor">
-              <a:schemeClr val="tx1"/>
-            </a:fontRef>
-          </p:style>
-        </p:cxnSp>
       </p:grpSp>
-      <p:sp>
-        <p:nvSpPr>
-          <p:cNvPr id="127" name="Rectángulo 126"/>
-          <p:cNvSpPr/>
-          <p:nvPr/>
-        </p:nvSpPr>
-        <p:spPr>
-          <a:xfrm>
-            <a:off x="142075" y="256122"/>
-            <a:ext cx="3919941" cy="697924"/>
-          </a:xfrm>
-          <a:prstGeom prst="rect">
-            <a:avLst/>
-          </a:prstGeom>
-          <a:noFill/>
-          <a:ln w="19050">
-            <a:solidFill>
-              <a:srgbClr val="DC4437"/>
-            </a:solidFill>
-          </a:ln>
-        </p:spPr>
-        <p:style>
-          <a:lnRef idx="2">
-            <a:schemeClr val="accent1">
-              <a:shade val="50000"/>
-            </a:schemeClr>
-          </a:lnRef>
-          <a:fillRef idx="1">
-            <a:schemeClr val="accent1"/>
-          </a:fillRef>
-          <a:effectRef idx="0">
-            <a:schemeClr val="accent1"/>
-          </a:effectRef>
-          <a:fontRef idx="minor">
-            <a:schemeClr val="lt1"/>
-          </a:fontRef>
-        </p:style>
-        <p:txBody>
-          <a:bodyPr rot="0" spcFirstLastPara="0" vertOverflow="overflow" horzOverflow="overflow" vert="horz" wrap="square" lIns="50596" tIns="25298" rIns="50596" bIns="25298" numCol="1" spcCol="0" rtlCol="0" fromWordArt="0" anchor="ctr" anchorCtr="0" forceAA="0" compatLnSpc="1">
-            <a:prstTxWarp prst="textNoShape">
-              <a:avLst/>
-            </a:prstTxWarp>
-            <a:noAutofit/>
-          </a:bodyPr>
-          <a:lstStyle/>
-          <a:p>
-            <a:pPr algn="ctr"/>
-            <a:r>
-              <a:rPr lang="es-CO" sz="1800" dirty="0" smtClean="0">
-                <a:solidFill>
-                  <a:schemeClr val="tx1"/>
-                </a:solidFill>
-              </a:rPr>
-              <a:t>Mapa de navegación del administrador</a:t>
-            </a:r>
-            <a:endParaRPr lang="es-CO" sz="1800" dirty="0">
-              <a:solidFill>
-                <a:schemeClr val="tx1"/>
-              </a:solidFill>
-            </a:endParaRPr>
-          </a:p>
-        </p:txBody>
-      </p:sp>
     </p:spTree>
     <p:extLst>
       <p:ext uri="{BB962C8B-B14F-4D97-AF65-F5344CB8AC3E}">
@@ -8594,16 +8509,16 @@
       </p:grpSpPr>
       <p:grpSp>
         <p:nvGrpSpPr>
-          <p:cNvPr id="13" name="Grupo 12"/>
+          <p:cNvPr id="2" name="Grupo 1"/>
           <p:cNvGrpSpPr/>
           <p:nvPr/>
         </p:nvGrpSpPr>
         <p:grpSpPr>
           <a:xfrm>
-            <a:off x="816840" y="403276"/>
-            <a:ext cx="12124245" cy="12006234"/>
-            <a:chOff x="5508661" y="2141798"/>
-            <a:chExt cx="6913949" cy="6846653"/>
+            <a:off x="188465" y="132148"/>
+            <a:ext cx="12752620" cy="12277362"/>
+            <a:chOff x="188465" y="132148"/>
+            <a:chExt cx="12752620" cy="12277362"/>
           </a:xfrm>
         </p:grpSpPr>
         <p:sp>
@@ -8614,8 +8529,8 @@
           </p:nvSpPr>
           <p:spPr>
             <a:xfrm>
-              <a:off x="8344539" y="3345471"/>
-              <a:ext cx="1525781" cy="486768"/>
+              <a:off x="5789813" y="2514027"/>
+              <a:ext cx="2675597" cy="853592"/>
             </a:xfrm>
             <a:prstGeom prst="rect">
               <a:avLst/>
@@ -8672,8 +8587,8 @@
           </p:nvSpPr>
           <p:spPr>
             <a:xfrm>
-              <a:off x="8344539" y="2141798"/>
-              <a:ext cx="1525781" cy="486768"/>
+              <a:off x="5789813" y="403276"/>
+              <a:ext cx="2675597" cy="853592"/>
             </a:xfrm>
             <a:prstGeom prst="rect">
               <a:avLst/>
@@ -8730,8 +8645,8 @@
           </p:nvSpPr>
           <p:spPr>
             <a:xfrm>
-              <a:off x="10896829" y="4630283"/>
-              <a:ext cx="1525781" cy="574940"/>
+              <a:off x="10265488" y="4767063"/>
+              <a:ext cx="2675597" cy="1008210"/>
             </a:xfrm>
             <a:prstGeom prst="rect">
               <a:avLst/>
@@ -8777,11 +8692,6 @@
                 </a:rPr>
                 <a:t>Cerrar sesión</a:t>
               </a:r>
-              <a:endParaRPr lang="es-CO" sz="2000" dirty="0">
-                <a:solidFill>
-                  <a:schemeClr val="tx1"/>
-                </a:solidFill>
-              </a:endParaRPr>
             </a:p>
           </p:txBody>
         </p:sp>
@@ -8793,8 +8703,8 @@
           </p:nvSpPr>
           <p:spPr>
             <a:xfrm>
-              <a:off x="9084795" y="4623075"/>
-              <a:ext cx="1525781" cy="574940"/>
+              <a:off x="7087920" y="4754423"/>
+              <a:ext cx="2675597" cy="1008210"/>
             </a:xfrm>
             <a:prstGeom prst="rect">
               <a:avLst/>
@@ -8840,11 +8750,6 @@
                 </a:rPr>
                 <a:t>Perfil</a:t>
               </a:r>
-              <a:endParaRPr lang="es-CO" sz="2000" dirty="0">
-                <a:solidFill>
-                  <a:schemeClr val="tx1"/>
-                </a:solidFill>
-              </a:endParaRPr>
             </a:p>
           </p:txBody>
         </p:sp>
@@ -8856,8 +8761,8 @@
           </p:nvSpPr>
           <p:spPr>
             <a:xfrm>
-              <a:off x="5508661" y="4644303"/>
-              <a:ext cx="1525781" cy="553712"/>
+              <a:off x="816840" y="4791648"/>
+              <a:ext cx="2675597" cy="970985"/>
             </a:xfrm>
             <a:prstGeom prst="rect">
               <a:avLst/>
@@ -8903,11 +8808,6 @@
                 </a:rPr>
                 <a:t>Bolsa</a:t>
               </a:r>
-              <a:endParaRPr lang="es-CO" sz="2000" dirty="0">
-                <a:solidFill>
-                  <a:schemeClr val="tx1"/>
-                </a:solidFill>
-              </a:endParaRPr>
             </a:p>
           </p:txBody>
         </p:sp>
@@ -8919,8 +8819,8 @@
           </p:nvSpPr>
           <p:spPr>
             <a:xfrm>
-              <a:off x="7296727" y="4635124"/>
-              <a:ext cx="1525781" cy="574940"/>
+              <a:off x="3952378" y="4775552"/>
+              <a:ext cx="2675597" cy="1008210"/>
             </a:xfrm>
             <a:prstGeom prst="rect">
               <a:avLst/>
@@ -8966,11 +8866,6 @@
                 </a:rPr>
                 <a:t>Pedidos</a:t>
               </a:r>
-              <a:endParaRPr lang="es-CO" sz="2000" dirty="0">
-                <a:solidFill>
-                  <a:schemeClr val="tx1"/>
-                </a:solidFill>
-              </a:endParaRPr>
             </a:p>
           </p:txBody>
         </p:sp>
@@ -8982,8 +8877,8 @@
           </p:nvSpPr>
           <p:spPr>
             <a:xfrm>
-              <a:off x="9326364" y="5456986"/>
-              <a:ext cx="1284211" cy="689053"/>
+              <a:off x="7511533" y="6216762"/>
+              <a:ext cx="2251982" cy="1208318"/>
             </a:xfrm>
             <a:prstGeom prst="rect">
               <a:avLst/>
@@ -9029,11 +8924,6 @@
                 </a:rPr>
                 <a:t>Modificar perfil</a:t>
               </a:r>
-              <a:endParaRPr lang="es-CO" sz="1800" dirty="0">
-                <a:solidFill>
-                  <a:schemeClr val="tx1"/>
-                </a:solidFill>
-              </a:endParaRPr>
             </a:p>
           </p:txBody>
         </p:sp>
@@ -9045,8 +8935,8 @@
           </p:nvSpPr>
           <p:spPr>
             <a:xfrm>
-              <a:off x="7538297" y="6401404"/>
-              <a:ext cx="1284211" cy="689053"/>
+              <a:off x="4375993" y="7872886"/>
+              <a:ext cx="2251982" cy="1208318"/>
             </a:xfrm>
             <a:prstGeom prst="rect">
               <a:avLst/>
@@ -9092,11 +8982,6 @@
                 </a:rPr>
                 <a:t>Mis pedidos</a:t>
               </a:r>
-              <a:endParaRPr lang="es-CO" sz="1800" dirty="0">
-                <a:solidFill>
-                  <a:schemeClr val="tx1"/>
-                </a:solidFill>
-              </a:endParaRPr>
             </a:p>
           </p:txBody>
         </p:sp>
@@ -9108,8 +8993,8 @@
           </p:nvSpPr>
           <p:spPr>
             <a:xfrm>
-              <a:off x="7538297" y="5456986"/>
-              <a:ext cx="1284211" cy="689053"/>
+              <a:off x="4375993" y="6216762"/>
+              <a:ext cx="2251982" cy="1208318"/>
             </a:xfrm>
             <a:prstGeom prst="rect">
               <a:avLst/>
@@ -9155,11 +9040,6 @@
                 </a:rPr>
                 <a:t>Crear pedido</a:t>
               </a:r>
-              <a:endParaRPr lang="es-CO" sz="1800" dirty="0">
-                <a:solidFill>
-                  <a:schemeClr val="tx1"/>
-                </a:solidFill>
-              </a:endParaRPr>
             </a:p>
           </p:txBody>
         </p:sp>
@@ -9171,8 +9051,8 @@
           </p:nvSpPr>
           <p:spPr>
             <a:xfrm>
-              <a:off x="5966165" y="8299398"/>
-              <a:ext cx="1068278" cy="689053"/>
+              <a:off x="1619115" y="11201192"/>
+              <a:ext cx="1873324" cy="1208318"/>
             </a:xfrm>
             <a:prstGeom prst="rect">
               <a:avLst/>
@@ -9218,11 +9098,6 @@
                 </a:rPr>
                 <a:t>Eliminar bolsa</a:t>
               </a:r>
-              <a:endParaRPr lang="es-CO" sz="1800" dirty="0">
-                <a:solidFill>
-                  <a:schemeClr val="tx1"/>
-                </a:solidFill>
-              </a:endParaRPr>
             </a:p>
           </p:txBody>
         </p:sp>
@@ -9234,8 +9109,8 @@
           </p:nvSpPr>
           <p:spPr>
             <a:xfrm>
-              <a:off x="5966164" y="7329986"/>
-              <a:ext cx="1068278" cy="689053"/>
+              <a:off x="1619114" y="9501240"/>
+              <a:ext cx="1873324" cy="1208318"/>
             </a:xfrm>
             <a:prstGeom prst="rect">
               <a:avLst/>
@@ -9281,11 +9156,6 @@
                 </a:rPr>
                 <a:t>Ver bolsa</a:t>
               </a:r>
-              <a:endParaRPr lang="es-CO" sz="1800" dirty="0">
-                <a:solidFill>
-                  <a:schemeClr val="tx1"/>
-                </a:solidFill>
-              </a:endParaRPr>
             </a:p>
           </p:txBody>
         </p:sp>
@@ -9297,8 +9167,8 @@
           </p:nvSpPr>
           <p:spPr>
             <a:xfrm>
-              <a:off x="5750231" y="5456984"/>
-              <a:ext cx="1284211" cy="689053"/>
+              <a:off x="1240455" y="6216759"/>
+              <a:ext cx="2251982" cy="1208318"/>
             </a:xfrm>
             <a:prstGeom prst="rect">
               <a:avLst/>
@@ -9344,11 +9214,6 @@
                 </a:rPr>
                 <a:t>Crear bolsa</a:t>
               </a:r>
-              <a:endParaRPr lang="es-CO" sz="1800" dirty="0">
-                <a:solidFill>
-                  <a:schemeClr val="tx1"/>
-                </a:solidFill>
-              </a:endParaRPr>
             </a:p>
           </p:txBody>
         </p:sp>
@@ -9360,8 +9225,8 @@
           </p:nvSpPr>
           <p:spPr>
             <a:xfrm>
-              <a:off x="5750231" y="6401403"/>
-              <a:ext cx="1284211" cy="689053"/>
+              <a:off x="1240455" y="7872884"/>
+              <a:ext cx="2251982" cy="1208318"/>
             </a:xfrm>
             <a:prstGeom prst="rect">
               <a:avLst/>
@@ -9407,11 +9272,6 @@
                 </a:rPr>
                 <a:t>Mis bolsas</a:t>
               </a:r>
-              <a:endParaRPr lang="es-CO" sz="1800" dirty="0">
-                <a:solidFill>
-                  <a:schemeClr val="tx1"/>
-                </a:solidFill>
-              </a:endParaRPr>
             </a:p>
           </p:txBody>
         </p:sp>
@@ -9426,8 +9286,8 @@
           </p:nvCxnSpPr>
           <p:spPr>
             <a:xfrm>
-              <a:off x="9107429" y="2628566"/>
-              <a:ext cx="0" cy="716905"/>
+              <a:off x="7127610" y="1256868"/>
+              <a:ext cx="0" cy="1257159"/>
             </a:xfrm>
             <a:prstGeom prst="straightConnector1">
               <a:avLst/>
@@ -9462,8 +9322,8 @@
           </p:nvCxnSpPr>
           <p:spPr>
             <a:xfrm>
-              <a:off x="6271551" y="4099255"/>
-              <a:ext cx="5388169" cy="7806"/>
+              <a:off x="2154638" y="3835856"/>
+              <a:ext cx="9448650" cy="13689"/>
             </a:xfrm>
             <a:prstGeom prst="line">
               <a:avLst/>
@@ -9499,8 +9359,8 @@
           </p:nvCxnSpPr>
           <p:spPr>
             <a:xfrm>
-              <a:off x="9107429" y="3832239"/>
-              <a:ext cx="0" cy="280359"/>
+              <a:off x="7127610" y="3367619"/>
+              <a:ext cx="0" cy="491635"/>
             </a:xfrm>
             <a:prstGeom prst="line">
               <a:avLst/>
@@ -9534,8 +9394,8 @@
           </p:nvCxnSpPr>
           <p:spPr>
             <a:xfrm>
-              <a:off x="5595252" y="5219243"/>
-              <a:ext cx="0" cy="1526686"/>
+              <a:off x="968685" y="5799858"/>
+              <a:ext cx="0" cy="2677184"/>
             </a:xfrm>
             <a:prstGeom prst="line">
               <a:avLst/>
@@ -9569,8 +9429,8 @@
           </p:nvCxnSpPr>
           <p:spPr>
             <a:xfrm flipH="1">
-              <a:off x="7385703" y="5219243"/>
-              <a:ext cx="2384" cy="1526686"/>
+              <a:off x="4108406" y="5799858"/>
+              <a:ext cx="4181" cy="2677184"/>
             </a:xfrm>
             <a:prstGeom prst="line">
               <a:avLst/>
@@ -9604,8 +9464,8 @@
           </p:nvCxnSpPr>
           <p:spPr>
             <a:xfrm>
-              <a:off x="9180925" y="5219243"/>
-              <a:ext cx="4788" cy="582266"/>
+              <a:off x="7256492" y="5799858"/>
+              <a:ext cx="8396" cy="1021057"/>
             </a:xfrm>
             <a:prstGeom prst="line">
               <a:avLst/>
@@ -9639,8 +9499,8 @@
           </p:nvCxnSpPr>
           <p:spPr>
             <a:xfrm>
-              <a:off x="5825739" y="7092503"/>
-              <a:ext cx="0" cy="1551421"/>
+              <a:off x="1372865" y="9084791"/>
+              <a:ext cx="0" cy="2720559"/>
             </a:xfrm>
             <a:prstGeom prst="line">
               <a:avLst/>
@@ -9676,8 +9536,8 @@
           </p:nvCxnSpPr>
           <p:spPr>
             <a:xfrm>
-              <a:off x="5595250" y="5801510"/>
-              <a:ext cx="154981" cy="1"/>
+              <a:off x="968682" y="6820917"/>
+              <a:ext cx="271773" cy="2"/>
             </a:xfrm>
             <a:prstGeom prst="straightConnector1">
               <a:avLst/>
@@ -9714,8 +9574,8 @@
           </p:nvCxnSpPr>
           <p:spPr>
             <a:xfrm>
-              <a:off x="5598299" y="6745929"/>
-              <a:ext cx="151932" cy="1"/>
+              <a:off x="974028" y="8477042"/>
+              <a:ext cx="266427" cy="2"/>
             </a:xfrm>
             <a:prstGeom prst="straightConnector1">
               <a:avLst/>
@@ -9752,8 +9612,8 @@
           </p:nvCxnSpPr>
           <p:spPr>
             <a:xfrm>
-              <a:off x="7388087" y="5801509"/>
-              <a:ext cx="150210" cy="5"/>
+              <a:off x="4112586" y="6820915"/>
+              <a:ext cx="263407" cy="9"/>
             </a:xfrm>
             <a:prstGeom prst="straightConnector1">
               <a:avLst/>
@@ -9790,8 +9650,8 @@
           </p:nvCxnSpPr>
           <p:spPr>
             <a:xfrm>
-              <a:off x="7385703" y="6745929"/>
-              <a:ext cx="152594" cy="2"/>
+              <a:off x="4108406" y="8477042"/>
+              <a:ext cx="267588" cy="4"/>
             </a:xfrm>
             <a:prstGeom prst="straightConnector1">
               <a:avLst/>
@@ -9828,8 +9688,8 @@
           </p:nvCxnSpPr>
           <p:spPr>
             <a:xfrm>
-              <a:off x="5825739" y="7674512"/>
-              <a:ext cx="140425" cy="1"/>
+              <a:off x="1372865" y="10105397"/>
+              <a:ext cx="246248" cy="2"/>
             </a:xfrm>
             <a:prstGeom prst="straightConnector1">
               <a:avLst/>
@@ -9866,8 +9726,8 @@
           </p:nvCxnSpPr>
           <p:spPr>
             <a:xfrm>
-              <a:off x="5832781" y="8643924"/>
-              <a:ext cx="133384" cy="1"/>
+              <a:off x="1385214" y="11805350"/>
+              <a:ext cx="233901" cy="2"/>
             </a:xfrm>
             <a:prstGeom prst="straightConnector1">
               <a:avLst/>
@@ -9904,8 +9764,8 @@
           </p:nvCxnSpPr>
           <p:spPr>
             <a:xfrm>
-              <a:off x="9191895" y="5801509"/>
-              <a:ext cx="134469" cy="5"/>
+              <a:off x="7275729" y="6820915"/>
+              <a:ext cx="235804" cy="9"/>
             </a:xfrm>
             <a:prstGeom prst="straightConnector1">
               <a:avLst/>
@@ -9942,8 +9802,8 @@
           </p:nvCxnSpPr>
           <p:spPr>
             <a:xfrm>
-              <a:off x="6271551" y="4094012"/>
-              <a:ext cx="1" cy="550291"/>
+              <a:off x="2154638" y="3826662"/>
+              <a:ext cx="2" cy="964986"/>
             </a:xfrm>
             <a:prstGeom prst="straightConnector1">
               <a:avLst/>
@@ -9980,8 +9840,8 @@
           </p:nvCxnSpPr>
           <p:spPr>
             <a:xfrm>
-              <a:off x="8059618" y="4112226"/>
-              <a:ext cx="0" cy="522898"/>
+              <a:off x="5290178" y="3858602"/>
+              <a:ext cx="0" cy="916950"/>
             </a:xfrm>
             <a:prstGeom prst="straightConnector1">
               <a:avLst/>
@@ -10018,8 +9878,8 @@
           </p:nvCxnSpPr>
           <p:spPr>
             <a:xfrm>
-              <a:off x="9847685" y="4112226"/>
-              <a:ext cx="0" cy="510849"/>
+              <a:off x="8425717" y="3858602"/>
+              <a:ext cx="0" cy="895821"/>
             </a:xfrm>
             <a:prstGeom prst="straightConnector1">
               <a:avLst/>
@@ -10056,8 +9916,8 @@
           </p:nvCxnSpPr>
           <p:spPr>
             <a:xfrm>
-              <a:off x="11659720" y="4103119"/>
-              <a:ext cx="0" cy="527164"/>
+              <a:off x="11603287" y="3842632"/>
+              <a:ext cx="0" cy="924430"/>
             </a:xfrm>
             <a:prstGeom prst="straightConnector1">
               <a:avLst/>
@@ -10092,8 +9952,8 @@
           </p:nvSpPr>
           <p:spPr>
             <a:xfrm>
-              <a:off x="7754230" y="7329985"/>
-              <a:ext cx="1068278" cy="689053"/>
+              <a:off x="4754652" y="9501238"/>
+              <a:ext cx="1873324" cy="1208318"/>
             </a:xfrm>
             <a:prstGeom prst="rect">
               <a:avLst/>
@@ -10139,6 +9999,177 @@
                 </a:rPr>
                 <a:t>Ver pedido</a:t>
               </a:r>
+            </a:p>
+          </p:txBody>
+        </p:sp>
+        <p:cxnSp>
+          <p:nvCxnSpPr>
+            <p:cNvPr id="89" name="Conector recto 88"/>
+            <p:cNvCxnSpPr/>
+            <p:nvPr/>
+          </p:nvCxnSpPr>
+          <p:spPr>
+            <a:xfrm>
+              <a:off x="4508403" y="9084790"/>
+              <a:ext cx="0" cy="1048378"/>
+            </a:xfrm>
+            <a:prstGeom prst="line">
+              <a:avLst/>
+            </a:prstGeom>
+            <a:ln w="15875">
+              <a:solidFill>
+                <a:srgbClr val="DC4437"/>
+              </a:solidFill>
+            </a:ln>
+          </p:spPr>
+          <p:style>
+            <a:lnRef idx="1">
+              <a:schemeClr val="dk1"/>
+            </a:lnRef>
+            <a:fillRef idx="0">
+              <a:schemeClr val="dk1"/>
+            </a:fillRef>
+            <a:effectRef idx="0">
+              <a:schemeClr val="dk1"/>
+            </a:effectRef>
+            <a:fontRef idx="minor">
+              <a:schemeClr val="tx1"/>
+            </a:fontRef>
+          </p:style>
+        </p:cxnSp>
+        <p:cxnSp>
+          <p:nvCxnSpPr>
+            <p:cNvPr id="95" name="Conector recto de flecha 94"/>
+            <p:cNvCxnSpPr>
+              <a:endCxn id="87" idx="1"/>
+            </p:cNvCxnSpPr>
+            <p:nvPr/>
+          </p:nvCxnSpPr>
+          <p:spPr>
+            <a:xfrm>
+              <a:off x="4508403" y="10105396"/>
+              <a:ext cx="246248" cy="2"/>
+            </a:xfrm>
+            <a:prstGeom prst="straightConnector1">
+              <a:avLst/>
+            </a:prstGeom>
+            <a:ln w="15875">
+              <a:solidFill>
+                <a:srgbClr val="DC4437"/>
+              </a:solidFill>
+              <a:tailEnd type="triangle"/>
+            </a:ln>
+          </p:spPr>
+          <p:style>
+            <a:lnRef idx="1">
+              <a:schemeClr val="dk1"/>
+            </a:lnRef>
+            <a:fillRef idx="0">
+              <a:schemeClr val="dk1"/>
+            </a:fillRef>
+            <a:effectRef idx="0">
+              <a:schemeClr val="dk1"/>
+            </a:effectRef>
+            <a:fontRef idx="minor">
+              <a:schemeClr val="tx1"/>
+            </a:fontRef>
+          </p:style>
+        </p:cxnSp>
+        <p:cxnSp>
+          <p:nvCxnSpPr>
+            <p:cNvPr id="96" name="Conector angular 95"/>
+            <p:cNvCxnSpPr>
+              <a:stCxn id="19" idx="3"/>
+            </p:cNvCxnSpPr>
+            <p:nvPr/>
+          </p:nvCxnSpPr>
+          <p:spPr>
+            <a:xfrm flipH="1" flipV="1">
+              <a:off x="8465410" y="830074"/>
+              <a:ext cx="4475675" cy="4441094"/>
+            </a:xfrm>
+            <a:prstGeom prst="bentConnector3">
+              <a:avLst>
+                <a:gd name="adj1" fmla="val -8957"/>
+              </a:avLst>
+            </a:prstGeom>
+            <a:ln w="15875">
+              <a:solidFill>
+                <a:srgbClr val="DC4437"/>
+              </a:solidFill>
+              <a:tailEnd type="triangle"/>
+            </a:ln>
+          </p:spPr>
+          <p:style>
+            <a:lnRef idx="1">
+              <a:schemeClr val="dk1"/>
+            </a:lnRef>
+            <a:fillRef idx="0">
+              <a:schemeClr val="dk1"/>
+            </a:fillRef>
+            <a:effectRef idx="0">
+              <a:schemeClr val="dk1"/>
+            </a:effectRef>
+            <a:fontRef idx="minor">
+              <a:schemeClr val="tx1"/>
+            </a:fontRef>
+          </p:style>
+        </p:cxnSp>
+        <p:sp>
+          <p:nvSpPr>
+            <p:cNvPr id="98" name="Rectángulo 97"/>
+            <p:cNvSpPr/>
+            <p:nvPr/>
+          </p:nvSpPr>
+          <p:spPr>
+            <a:xfrm>
+              <a:off x="188465" y="132148"/>
+              <a:ext cx="3919941" cy="697924"/>
+            </a:xfrm>
+            <a:prstGeom prst="rect">
+              <a:avLst/>
+            </a:prstGeom>
+            <a:noFill/>
+            <a:ln w="19050">
+              <a:solidFill>
+                <a:srgbClr val="DC4437"/>
+              </a:solidFill>
+            </a:ln>
+          </p:spPr>
+          <p:style>
+            <a:lnRef idx="2">
+              <a:schemeClr val="accent1">
+                <a:shade val="50000"/>
+              </a:schemeClr>
+            </a:lnRef>
+            <a:fillRef idx="1">
+              <a:schemeClr val="accent1"/>
+            </a:fillRef>
+            <a:effectRef idx="0">
+              <a:schemeClr val="accent1"/>
+            </a:effectRef>
+            <a:fontRef idx="minor">
+              <a:schemeClr val="lt1"/>
+            </a:fontRef>
+          </p:style>
+          <p:txBody>
+            <a:bodyPr rot="0" spcFirstLastPara="0" vertOverflow="overflow" horzOverflow="overflow" vert="horz" wrap="square" lIns="50596" tIns="25298" rIns="50596" bIns="25298" numCol="1" spcCol="0" rtlCol="0" fromWordArt="0" anchor="ctr" anchorCtr="0" forceAA="0" compatLnSpc="1">
+              <a:prstTxWarp prst="textNoShape">
+                <a:avLst/>
+              </a:prstTxWarp>
+              <a:noAutofit/>
+            </a:bodyPr>
+            <a:lstStyle/>
+            <a:p>
+              <a:pPr algn="ctr"/>
+              <a:r>
+                <a:rPr lang="es-CO" sz="1800" dirty="0" smtClean="0">
+                  <a:solidFill>
+                    <a:schemeClr val="tx1"/>
+                  </a:solidFill>
+                </a:rPr>
+                <a:t>Mapa de navegación del cliente</a:t>
+              </a:r>
               <a:endParaRPr lang="es-CO" sz="1800" dirty="0">
                 <a:solidFill>
                   <a:schemeClr val="tx1"/>
@@ -10147,183 +10178,7 @@
             </a:p>
           </p:txBody>
         </p:sp>
-        <p:cxnSp>
-          <p:nvCxnSpPr>
-            <p:cNvPr id="89" name="Conector recto 88"/>
-            <p:cNvCxnSpPr/>
-            <p:nvPr/>
-          </p:nvCxnSpPr>
-          <p:spPr>
-            <a:xfrm>
-              <a:off x="7613805" y="7092502"/>
-              <a:ext cx="0" cy="597846"/>
-            </a:xfrm>
-            <a:prstGeom prst="line">
-              <a:avLst/>
-            </a:prstGeom>
-            <a:ln w="15875">
-              <a:solidFill>
-                <a:srgbClr val="DC4437"/>
-              </a:solidFill>
-            </a:ln>
-          </p:spPr>
-          <p:style>
-            <a:lnRef idx="1">
-              <a:schemeClr val="dk1"/>
-            </a:lnRef>
-            <a:fillRef idx="0">
-              <a:schemeClr val="dk1"/>
-            </a:fillRef>
-            <a:effectRef idx="0">
-              <a:schemeClr val="dk1"/>
-            </a:effectRef>
-            <a:fontRef idx="minor">
-              <a:schemeClr val="tx1"/>
-            </a:fontRef>
-          </p:style>
-        </p:cxnSp>
-        <p:cxnSp>
-          <p:nvCxnSpPr>
-            <p:cNvPr id="95" name="Conector recto de flecha 94"/>
-            <p:cNvCxnSpPr>
-              <a:endCxn id="87" idx="1"/>
-            </p:cNvCxnSpPr>
-            <p:nvPr/>
-          </p:nvCxnSpPr>
-          <p:spPr>
-            <a:xfrm>
-              <a:off x="7613805" y="7674511"/>
-              <a:ext cx="140425" cy="1"/>
-            </a:xfrm>
-            <a:prstGeom prst="straightConnector1">
-              <a:avLst/>
-            </a:prstGeom>
-            <a:ln w="15875">
-              <a:solidFill>
-                <a:srgbClr val="DC4437"/>
-              </a:solidFill>
-              <a:tailEnd type="triangle"/>
-            </a:ln>
-          </p:spPr>
-          <p:style>
-            <a:lnRef idx="1">
-              <a:schemeClr val="dk1"/>
-            </a:lnRef>
-            <a:fillRef idx="0">
-              <a:schemeClr val="dk1"/>
-            </a:fillRef>
-            <a:effectRef idx="0">
-              <a:schemeClr val="dk1"/>
-            </a:effectRef>
-            <a:fontRef idx="minor">
-              <a:schemeClr val="tx1"/>
-            </a:fontRef>
-          </p:style>
-        </p:cxnSp>
-        <p:cxnSp>
-          <p:nvCxnSpPr>
-            <p:cNvPr id="96" name="Conector angular 95"/>
-            <p:cNvCxnSpPr>
-              <a:stCxn id="19" idx="3"/>
-            </p:cNvCxnSpPr>
-            <p:nvPr/>
-          </p:nvCxnSpPr>
-          <p:spPr>
-            <a:xfrm flipH="1" flipV="1">
-              <a:off x="9870320" y="2385183"/>
-              <a:ext cx="2552290" cy="2532570"/>
-            </a:xfrm>
-            <a:prstGeom prst="bentConnector3">
-              <a:avLst>
-                <a:gd name="adj1" fmla="val -8957"/>
-              </a:avLst>
-            </a:prstGeom>
-            <a:ln w="15875">
-              <a:solidFill>
-                <a:srgbClr val="DC4437"/>
-              </a:solidFill>
-              <a:tailEnd type="triangle"/>
-            </a:ln>
-          </p:spPr>
-          <p:style>
-            <a:lnRef idx="1">
-              <a:schemeClr val="dk1"/>
-            </a:lnRef>
-            <a:fillRef idx="0">
-              <a:schemeClr val="dk1"/>
-            </a:fillRef>
-            <a:effectRef idx="0">
-              <a:schemeClr val="dk1"/>
-            </a:effectRef>
-            <a:fontRef idx="minor">
-              <a:schemeClr val="tx1"/>
-            </a:fontRef>
-          </p:style>
-        </p:cxnSp>
       </p:grpSp>
-      <p:sp>
-        <p:nvSpPr>
-          <p:cNvPr id="98" name="Rectángulo 97"/>
-          <p:cNvSpPr/>
-          <p:nvPr/>
-        </p:nvSpPr>
-        <p:spPr>
-          <a:xfrm>
-            <a:off x="188465" y="132148"/>
-            <a:ext cx="3919941" cy="697924"/>
-          </a:xfrm>
-          <a:prstGeom prst="rect">
-            <a:avLst/>
-          </a:prstGeom>
-          <a:noFill/>
-          <a:ln w="19050">
-            <a:solidFill>
-              <a:srgbClr val="DC4437"/>
-            </a:solidFill>
-          </a:ln>
-        </p:spPr>
-        <p:style>
-          <a:lnRef idx="2">
-            <a:schemeClr val="accent1">
-              <a:shade val="50000"/>
-            </a:schemeClr>
-          </a:lnRef>
-          <a:fillRef idx="1">
-            <a:schemeClr val="accent1"/>
-          </a:fillRef>
-          <a:effectRef idx="0">
-            <a:schemeClr val="accent1"/>
-          </a:effectRef>
-          <a:fontRef idx="minor">
-            <a:schemeClr val="lt1"/>
-          </a:fontRef>
-        </p:style>
-        <p:txBody>
-          <a:bodyPr rot="0" spcFirstLastPara="0" vertOverflow="overflow" horzOverflow="overflow" vert="horz" wrap="square" lIns="50596" tIns="25298" rIns="50596" bIns="25298" numCol="1" spcCol="0" rtlCol="0" fromWordArt="0" anchor="ctr" anchorCtr="0" forceAA="0" compatLnSpc="1">
-            <a:prstTxWarp prst="textNoShape">
-              <a:avLst/>
-            </a:prstTxWarp>
-            <a:noAutofit/>
-          </a:bodyPr>
-          <a:lstStyle/>
-          <a:p>
-            <a:pPr algn="ctr"/>
-            <a:r>
-              <a:rPr lang="es-CO" sz="1800" dirty="0" smtClean="0">
-                <a:solidFill>
-                  <a:schemeClr val="tx1"/>
-                </a:solidFill>
-              </a:rPr>
-              <a:t>Mapa de navegación del cliente</a:t>
-            </a:r>
-            <a:endParaRPr lang="es-CO" sz="1800" dirty="0">
-              <a:solidFill>
-                <a:schemeClr val="tx1"/>
-              </a:solidFill>
-            </a:endParaRPr>
-          </a:p>
-        </p:txBody>
-      </p:sp>
     </p:spTree>
     <p:extLst>
       <p:ext uri="{BB962C8B-B14F-4D97-AF65-F5344CB8AC3E}">
@@ -10363,16 +10218,16 @@
       </p:grpSpPr>
       <p:grpSp>
         <p:nvGrpSpPr>
-          <p:cNvPr id="10" name="Grupo 9"/>
+          <p:cNvPr id="2" name="Grupo 1"/>
           <p:cNvGrpSpPr/>
           <p:nvPr/>
         </p:nvGrpSpPr>
         <p:grpSpPr>
           <a:xfrm>
-            <a:off x="646360" y="201800"/>
-            <a:ext cx="12620190" cy="12201563"/>
-            <a:chOff x="2723132" y="1209190"/>
-            <a:chExt cx="8946677" cy="8649905"/>
+            <a:off x="188465" y="132148"/>
+            <a:ext cx="13078085" cy="12271215"/>
+            <a:chOff x="188465" y="132148"/>
+            <a:chExt cx="13078085" cy="12271215"/>
           </a:xfrm>
         </p:grpSpPr>
         <p:sp>
@@ -10383,8 +10238,8 @@
           </p:nvSpPr>
           <p:spPr>
             <a:xfrm>
-              <a:off x="5858670" y="3319941"/>
-              <a:ext cx="2675597" cy="853592"/>
+              <a:off x="5069353" y="3179227"/>
+              <a:ext cx="3774199" cy="1204078"/>
             </a:xfrm>
             <a:prstGeom prst="rect">
               <a:avLst/>
@@ -10441,8 +10296,8 @@
           </p:nvSpPr>
           <p:spPr>
             <a:xfrm>
-              <a:off x="5858670" y="1209190"/>
-              <a:ext cx="2675597" cy="853592"/>
+              <a:off x="5069353" y="201800"/>
+              <a:ext cx="3774199" cy="1204078"/>
             </a:xfrm>
             <a:prstGeom prst="rect">
               <a:avLst/>
@@ -10499,8 +10354,8 @@
           </p:nvSpPr>
           <p:spPr>
             <a:xfrm>
-              <a:off x="8994212" y="5560335"/>
-              <a:ext cx="2675597" cy="1008210"/>
+              <a:off x="9492351" y="6339529"/>
+              <a:ext cx="3774199" cy="1422182"/>
             </a:xfrm>
             <a:prstGeom prst="rect">
               <a:avLst/>
@@ -10562,8 +10417,8 @@
           </p:nvSpPr>
           <p:spPr>
             <a:xfrm>
-              <a:off x="2723132" y="5597560"/>
-              <a:ext cx="2675597" cy="970985"/>
+              <a:off x="646360" y="6392038"/>
+              <a:ext cx="3774199" cy="1369672"/>
             </a:xfrm>
             <a:prstGeom prst="rect">
               <a:avLst/>
@@ -10625,8 +10480,8 @@
           </p:nvSpPr>
           <p:spPr>
             <a:xfrm>
-              <a:off x="5858670" y="5581464"/>
-              <a:ext cx="2675597" cy="1008210"/>
+              <a:off x="5069353" y="6369333"/>
+              <a:ext cx="3774199" cy="1422182"/>
             </a:xfrm>
             <a:prstGeom prst="rect">
               <a:avLst/>
@@ -10688,8 +10543,8 @@
           </p:nvSpPr>
           <p:spPr>
             <a:xfrm>
-              <a:off x="6282285" y="7022674"/>
-              <a:ext cx="2251982" cy="1208318"/>
+              <a:off x="5666904" y="8402305"/>
+              <a:ext cx="3176648" cy="1704454"/>
             </a:xfrm>
             <a:prstGeom prst="rect">
               <a:avLst/>
@@ -10751,8 +10606,8 @@
           </p:nvSpPr>
           <p:spPr>
             <a:xfrm>
-              <a:off x="3522995" y="8650777"/>
-              <a:ext cx="1873324" cy="1208318"/>
+              <a:off x="1774647" y="10698909"/>
+              <a:ext cx="2642512" cy="1704454"/>
             </a:xfrm>
             <a:prstGeom prst="rect">
               <a:avLst/>
@@ -10814,8 +10669,8 @@
           </p:nvSpPr>
           <p:spPr>
             <a:xfrm>
-              <a:off x="3144336" y="7022421"/>
-              <a:ext cx="2251982" cy="1208318"/>
+              <a:off x="1240511" y="8401948"/>
+              <a:ext cx="3176648" cy="1704454"/>
             </a:xfrm>
             <a:prstGeom prst="rect">
               <a:avLst/>
@@ -10880,8 +10735,8 @@
           </p:nvCxnSpPr>
           <p:spPr>
             <a:xfrm>
-              <a:off x="7196467" y="2062782"/>
-              <a:ext cx="0" cy="1257159"/>
+              <a:off x="6956450" y="1405878"/>
+              <a:ext cx="0" cy="1773350"/>
             </a:xfrm>
             <a:prstGeom prst="straightConnector1">
               <a:avLst/>
@@ -10916,8 +10771,8 @@
           </p:nvCxnSpPr>
           <p:spPr>
             <a:xfrm>
-              <a:off x="4060930" y="4641768"/>
-              <a:ext cx="6310772" cy="9143"/>
+              <a:off x="2533459" y="5043797"/>
+              <a:ext cx="8901980" cy="12897"/>
             </a:xfrm>
             <a:prstGeom prst="line">
               <a:avLst/>
@@ -10953,8 +10808,8 @@
           </p:nvCxnSpPr>
           <p:spPr>
             <a:xfrm>
-              <a:off x="7196467" y="4173533"/>
-              <a:ext cx="0" cy="491635"/>
+              <a:off x="6956450" y="4383305"/>
+              <a:ext cx="0" cy="693501"/>
             </a:xfrm>
             <a:prstGeom prst="line">
               <a:avLst/>
@@ -10988,8 +10843,8 @@
           </p:nvCxnSpPr>
           <p:spPr>
             <a:xfrm>
-              <a:off x="2874977" y="6605770"/>
-              <a:ext cx="0" cy="1020809"/>
+              <a:off x="860553" y="7814220"/>
+              <a:ext cx="0" cy="1439954"/>
             </a:xfrm>
             <a:prstGeom prst="line">
               <a:avLst/>
@@ -11023,8 +10878,8 @@
           </p:nvCxnSpPr>
           <p:spPr>
             <a:xfrm flipH="1">
-              <a:off x="6018879" y="6605770"/>
-              <a:ext cx="1" cy="1020809"/>
+              <a:off x="5295343" y="7814220"/>
+              <a:ext cx="1" cy="1439954"/>
             </a:xfrm>
             <a:prstGeom prst="line">
               <a:avLst/>
@@ -11058,8 +10913,8 @@
           </p:nvCxnSpPr>
           <p:spPr>
             <a:xfrm>
-              <a:off x="3276746" y="8234328"/>
-              <a:ext cx="0" cy="1020606"/>
+              <a:off x="1427288" y="10111465"/>
+              <a:ext cx="0" cy="1439668"/>
             </a:xfrm>
             <a:prstGeom prst="line">
               <a:avLst/>
@@ -11095,8 +10950,8 @@
           </p:nvCxnSpPr>
           <p:spPr>
             <a:xfrm>
-              <a:off x="2877909" y="7626579"/>
-              <a:ext cx="266427" cy="2"/>
+              <a:off x="864689" y="9254174"/>
+              <a:ext cx="375822" cy="3"/>
             </a:xfrm>
             <a:prstGeom prst="straightConnector1">
               <a:avLst/>
@@ -11131,8 +10986,8 @@
           </p:nvCxnSpPr>
           <p:spPr>
             <a:xfrm>
-              <a:off x="6018878" y="7626827"/>
-              <a:ext cx="263407" cy="9"/>
+              <a:off x="5295342" y="9254524"/>
+              <a:ext cx="371562" cy="13"/>
             </a:xfrm>
             <a:prstGeom prst="straightConnector1">
               <a:avLst/>
@@ -11169,8 +11024,8 @@
           </p:nvCxnSpPr>
           <p:spPr>
             <a:xfrm>
-              <a:off x="3276746" y="9254934"/>
-              <a:ext cx="246248" cy="2"/>
+              <a:off x="1427288" y="11551133"/>
+              <a:ext cx="347358" cy="3"/>
             </a:xfrm>
             <a:prstGeom prst="straightConnector1">
               <a:avLst/>
@@ -11207,8 +11062,8 @@
           </p:nvCxnSpPr>
           <p:spPr>
             <a:xfrm>
-              <a:off x="4060930" y="4632574"/>
-              <a:ext cx="2" cy="964986"/>
+              <a:off x="2533459" y="5030828"/>
+              <a:ext cx="3" cy="1361210"/>
             </a:xfrm>
             <a:prstGeom prst="straightConnector1">
               <a:avLst/>
@@ -11245,8 +11100,8 @@
           </p:nvCxnSpPr>
           <p:spPr>
             <a:xfrm>
-              <a:off x="7196470" y="4664514"/>
-              <a:ext cx="0" cy="916950"/>
+              <a:off x="6956454" y="5075883"/>
+              <a:ext cx="0" cy="1293450"/>
             </a:xfrm>
             <a:prstGeom prst="straightConnector1">
               <a:avLst/>
@@ -11283,8 +11138,8 @@
           </p:nvCxnSpPr>
           <p:spPr>
             <a:xfrm>
-              <a:off x="10332009" y="4664514"/>
-              <a:ext cx="0" cy="895821"/>
+              <a:off x="11379448" y="5075883"/>
+              <a:ext cx="0" cy="1263646"/>
             </a:xfrm>
             <a:prstGeom prst="straightConnector1">
               <a:avLst/>
@@ -11322,8 +11177,8 @@
           </p:nvCxnSpPr>
           <p:spPr>
             <a:xfrm flipH="1" flipV="1">
-              <a:off x="8534267" y="1635986"/>
-              <a:ext cx="3135542" cy="4428454"/>
+              <a:off x="8843552" y="803839"/>
+              <a:ext cx="4422998" cy="6246781"/>
             </a:xfrm>
             <a:prstGeom prst="bentConnector3">
               <a:avLst>
@@ -11352,70 +11207,70 @@
             </a:fontRef>
           </p:style>
         </p:cxnSp>
-      </p:grpSp>
-      <p:sp>
-        <p:nvSpPr>
-          <p:cNvPr id="47" name="Rectángulo 46"/>
-          <p:cNvSpPr/>
-          <p:nvPr/>
-        </p:nvSpPr>
-        <p:spPr>
-          <a:xfrm>
-            <a:off x="188465" y="132148"/>
-            <a:ext cx="3919941" cy="697924"/>
-          </a:xfrm>
-          <a:prstGeom prst="rect">
-            <a:avLst/>
-          </a:prstGeom>
-          <a:noFill/>
-          <a:ln w="19050">
-            <a:solidFill>
-              <a:srgbClr val="DC4437"/>
-            </a:solidFill>
-          </a:ln>
-        </p:spPr>
-        <p:style>
-          <a:lnRef idx="2">
-            <a:schemeClr val="accent1">
-              <a:shade val="50000"/>
-            </a:schemeClr>
-          </a:lnRef>
-          <a:fillRef idx="1">
-            <a:schemeClr val="accent1"/>
-          </a:fillRef>
-          <a:effectRef idx="0">
-            <a:schemeClr val="accent1"/>
-          </a:effectRef>
-          <a:fontRef idx="minor">
-            <a:schemeClr val="lt1"/>
-          </a:fontRef>
-        </p:style>
-        <p:txBody>
-          <a:bodyPr rot="0" spcFirstLastPara="0" vertOverflow="overflow" horzOverflow="overflow" vert="horz" wrap="square" lIns="50596" tIns="25298" rIns="50596" bIns="25298" numCol="1" spcCol="0" rtlCol="0" fromWordArt="0" anchor="ctr" anchorCtr="0" forceAA="0" compatLnSpc="1">
-            <a:prstTxWarp prst="textNoShape">
-              <a:avLst/>
-            </a:prstTxWarp>
-            <a:noAutofit/>
-          </a:bodyPr>
-          <a:lstStyle/>
-          <a:p>
-            <a:pPr algn="ctr"/>
-            <a:r>
-              <a:rPr lang="es-CO" sz="1800" dirty="0" smtClean="0">
+        <p:sp>
+          <p:nvSpPr>
+            <p:cNvPr id="47" name="Rectángulo 46"/>
+            <p:cNvSpPr/>
+            <p:nvPr/>
+          </p:nvSpPr>
+          <p:spPr>
+            <a:xfrm>
+              <a:off x="188465" y="132148"/>
+              <a:ext cx="3919941" cy="697924"/>
+            </a:xfrm>
+            <a:prstGeom prst="rect">
+              <a:avLst/>
+            </a:prstGeom>
+            <a:noFill/>
+            <a:ln w="19050">
+              <a:solidFill>
+                <a:srgbClr val="DC4437"/>
+              </a:solidFill>
+            </a:ln>
+          </p:spPr>
+          <p:style>
+            <a:lnRef idx="2">
+              <a:schemeClr val="accent1">
+                <a:shade val="50000"/>
+              </a:schemeClr>
+            </a:lnRef>
+            <a:fillRef idx="1">
+              <a:schemeClr val="accent1"/>
+            </a:fillRef>
+            <a:effectRef idx="0">
+              <a:schemeClr val="accent1"/>
+            </a:effectRef>
+            <a:fontRef idx="minor">
+              <a:schemeClr val="lt1"/>
+            </a:fontRef>
+          </p:style>
+          <p:txBody>
+            <a:bodyPr rot="0" spcFirstLastPara="0" vertOverflow="overflow" horzOverflow="overflow" vert="horz" wrap="square" lIns="50596" tIns="25298" rIns="50596" bIns="25298" numCol="1" spcCol="0" rtlCol="0" fromWordArt="0" anchor="ctr" anchorCtr="0" forceAA="0" compatLnSpc="1">
+              <a:prstTxWarp prst="textNoShape">
+                <a:avLst/>
+              </a:prstTxWarp>
+              <a:noAutofit/>
+            </a:bodyPr>
+            <a:lstStyle/>
+            <a:p>
+              <a:pPr algn="ctr"/>
+              <a:r>
+                <a:rPr lang="es-CO" sz="1800" dirty="0" smtClean="0">
+                  <a:solidFill>
+                    <a:schemeClr val="tx1"/>
+                  </a:solidFill>
+                </a:rPr>
+                <a:t>Mapa de navegación del extrusor</a:t>
+              </a:r>
+              <a:endParaRPr lang="es-CO" sz="1800" dirty="0">
                 <a:solidFill>
                   <a:schemeClr val="tx1"/>
                 </a:solidFill>
-              </a:rPr>
-              <a:t>Mapa de navegación del extrusor</a:t>
-            </a:r>
-            <a:endParaRPr lang="es-CO" sz="1800" dirty="0">
-              <a:solidFill>
-                <a:schemeClr val="tx1"/>
-              </a:solidFill>
-            </a:endParaRPr>
-          </a:p>
-        </p:txBody>
-      </p:sp>
+              </a:endParaRPr>
+            </a:p>
+          </p:txBody>
+        </p:sp>
+      </p:grpSp>
     </p:spTree>
     <p:extLst>
       <p:ext uri="{BB962C8B-B14F-4D97-AF65-F5344CB8AC3E}">
@@ -11455,16 +11310,16 @@
       </p:grpSpPr>
       <p:grpSp>
         <p:nvGrpSpPr>
-          <p:cNvPr id="10" name="Grupo 9"/>
+          <p:cNvPr id="2" name="Grupo 1"/>
           <p:cNvGrpSpPr/>
           <p:nvPr/>
         </p:nvGrpSpPr>
         <p:grpSpPr>
           <a:xfrm>
-            <a:off x="646360" y="201800"/>
-            <a:ext cx="12620190" cy="12201563"/>
-            <a:chOff x="2723132" y="1209190"/>
-            <a:chExt cx="8946677" cy="8649905"/>
+            <a:off x="188465" y="132148"/>
+            <a:ext cx="13078085" cy="12271215"/>
+            <a:chOff x="188465" y="132148"/>
+            <a:chExt cx="13078085" cy="12271215"/>
           </a:xfrm>
         </p:grpSpPr>
         <p:sp>
@@ -11475,8 +11330,8 @@
           </p:nvSpPr>
           <p:spPr>
             <a:xfrm>
-              <a:off x="5858670" y="3319941"/>
-              <a:ext cx="2675597" cy="853592"/>
+              <a:off x="5069353" y="3179227"/>
+              <a:ext cx="3774199" cy="1204078"/>
             </a:xfrm>
             <a:prstGeom prst="rect">
               <a:avLst/>
@@ -11533,8 +11388,8 @@
           </p:nvSpPr>
           <p:spPr>
             <a:xfrm>
-              <a:off x="5858670" y="1209190"/>
-              <a:ext cx="2675597" cy="853592"/>
+              <a:off x="5069353" y="201800"/>
+              <a:ext cx="3774199" cy="1204078"/>
             </a:xfrm>
             <a:prstGeom prst="rect">
               <a:avLst/>
@@ -11591,8 +11446,8 @@
           </p:nvSpPr>
           <p:spPr>
             <a:xfrm>
-              <a:off x="8994212" y="5560335"/>
-              <a:ext cx="2675597" cy="1008210"/>
+              <a:off x="9492351" y="6339529"/>
+              <a:ext cx="3774199" cy="1422182"/>
             </a:xfrm>
             <a:prstGeom prst="rect">
               <a:avLst/>
@@ -11654,8 +11509,8 @@
           </p:nvSpPr>
           <p:spPr>
             <a:xfrm>
-              <a:off x="2723132" y="5597560"/>
-              <a:ext cx="2675597" cy="970985"/>
+              <a:off x="646360" y="6392038"/>
+              <a:ext cx="3774199" cy="1369672"/>
             </a:xfrm>
             <a:prstGeom prst="rect">
               <a:avLst/>
@@ -11717,8 +11572,8 @@
           </p:nvSpPr>
           <p:spPr>
             <a:xfrm>
-              <a:off x="5858670" y="5581464"/>
-              <a:ext cx="2675597" cy="1008210"/>
+              <a:off x="5069353" y="6369333"/>
+              <a:ext cx="3774199" cy="1422182"/>
             </a:xfrm>
             <a:prstGeom prst="rect">
               <a:avLst/>
@@ -11780,8 +11635,8 @@
           </p:nvSpPr>
           <p:spPr>
             <a:xfrm>
-              <a:off x="6282285" y="7022674"/>
-              <a:ext cx="2251982" cy="1208318"/>
+              <a:off x="5666904" y="8402305"/>
+              <a:ext cx="3176648" cy="1704454"/>
             </a:xfrm>
             <a:prstGeom prst="rect">
               <a:avLst/>
@@ -11843,8 +11698,8 @@
           </p:nvSpPr>
           <p:spPr>
             <a:xfrm>
-              <a:off x="3522995" y="8650777"/>
-              <a:ext cx="1873324" cy="1208318"/>
+              <a:off x="1774647" y="10698909"/>
+              <a:ext cx="2642512" cy="1704454"/>
             </a:xfrm>
             <a:prstGeom prst="rect">
               <a:avLst/>
@@ -11906,8 +11761,8 @@
           </p:nvSpPr>
           <p:spPr>
             <a:xfrm>
-              <a:off x="3144336" y="7022421"/>
-              <a:ext cx="2251982" cy="1208318"/>
+              <a:off x="1240511" y="8401948"/>
+              <a:ext cx="3176648" cy="1704454"/>
             </a:xfrm>
             <a:prstGeom prst="rect">
               <a:avLst/>
@@ -11972,8 +11827,8 @@
           </p:nvCxnSpPr>
           <p:spPr>
             <a:xfrm>
-              <a:off x="7196467" y="2062782"/>
-              <a:ext cx="0" cy="1257159"/>
+              <a:off x="6956450" y="1405878"/>
+              <a:ext cx="0" cy="1773350"/>
             </a:xfrm>
             <a:prstGeom prst="straightConnector1">
               <a:avLst/>
@@ -12008,8 +11863,8 @@
           </p:nvCxnSpPr>
           <p:spPr>
             <a:xfrm>
-              <a:off x="4060930" y="4641768"/>
-              <a:ext cx="6310772" cy="9143"/>
+              <a:off x="2533459" y="5043797"/>
+              <a:ext cx="8901980" cy="12897"/>
             </a:xfrm>
             <a:prstGeom prst="line">
               <a:avLst/>
@@ -12045,8 +11900,8 @@
           </p:nvCxnSpPr>
           <p:spPr>
             <a:xfrm>
-              <a:off x="7196467" y="4173533"/>
-              <a:ext cx="0" cy="491635"/>
+              <a:off x="6956450" y="4383305"/>
+              <a:ext cx="0" cy="693501"/>
             </a:xfrm>
             <a:prstGeom prst="line">
               <a:avLst/>
@@ -12080,8 +11935,8 @@
           </p:nvCxnSpPr>
           <p:spPr>
             <a:xfrm>
-              <a:off x="2874977" y="6605770"/>
-              <a:ext cx="0" cy="1020809"/>
+              <a:off x="860553" y="7814220"/>
+              <a:ext cx="0" cy="1439954"/>
             </a:xfrm>
             <a:prstGeom prst="line">
               <a:avLst/>
@@ -12115,8 +11970,8 @@
           </p:nvCxnSpPr>
           <p:spPr>
             <a:xfrm flipH="1">
-              <a:off x="6018879" y="6605770"/>
-              <a:ext cx="1" cy="1020809"/>
+              <a:off x="5295343" y="7814220"/>
+              <a:ext cx="1" cy="1439954"/>
             </a:xfrm>
             <a:prstGeom prst="line">
               <a:avLst/>
@@ -12150,8 +12005,8 @@
           </p:nvCxnSpPr>
           <p:spPr>
             <a:xfrm>
-              <a:off x="3276746" y="8234328"/>
-              <a:ext cx="0" cy="1020606"/>
+              <a:off x="1427288" y="10111465"/>
+              <a:ext cx="0" cy="1439668"/>
             </a:xfrm>
             <a:prstGeom prst="line">
               <a:avLst/>
@@ -12187,8 +12042,8 @@
           </p:nvCxnSpPr>
           <p:spPr>
             <a:xfrm>
-              <a:off x="2877909" y="7626579"/>
-              <a:ext cx="266427" cy="2"/>
+              <a:off x="864689" y="9254174"/>
+              <a:ext cx="375822" cy="3"/>
             </a:xfrm>
             <a:prstGeom prst="straightConnector1">
               <a:avLst/>
@@ -12223,8 +12078,8 @@
           </p:nvCxnSpPr>
           <p:spPr>
             <a:xfrm>
-              <a:off x="6018878" y="7626827"/>
-              <a:ext cx="263407" cy="9"/>
+              <a:off x="5295342" y="9254524"/>
+              <a:ext cx="371562" cy="13"/>
             </a:xfrm>
             <a:prstGeom prst="straightConnector1">
               <a:avLst/>
@@ -12261,8 +12116,8 @@
           </p:nvCxnSpPr>
           <p:spPr>
             <a:xfrm>
-              <a:off x="3276746" y="9254934"/>
-              <a:ext cx="246248" cy="2"/>
+              <a:off x="1427288" y="11551133"/>
+              <a:ext cx="347358" cy="3"/>
             </a:xfrm>
             <a:prstGeom prst="straightConnector1">
               <a:avLst/>
@@ -12299,8 +12154,8 @@
           </p:nvCxnSpPr>
           <p:spPr>
             <a:xfrm>
-              <a:off x="4060930" y="4632574"/>
-              <a:ext cx="2" cy="964986"/>
+              <a:off x="2533459" y="5030828"/>
+              <a:ext cx="3" cy="1361210"/>
             </a:xfrm>
             <a:prstGeom prst="straightConnector1">
               <a:avLst/>
@@ -12337,8 +12192,8 @@
           </p:nvCxnSpPr>
           <p:spPr>
             <a:xfrm>
-              <a:off x="7196470" y="4664514"/>
-              <a:ext cx="0" cy="916950"/>
+              <a:off x="6956454" y="5075883"/>
+              <a:ext cx="0" cy="1293450"/>
             </a:xfrm>
             <a:prstGeom prst="straightConnector1">
               <a:avLst/>
@@ -12375,8 +12230,8 @@
           </p:nvCxnSpPr>
           <p:spPr>
             <a:xfrm>
-              <a:off x="10332009" y="4664514"/>
-              <a:ext cx="0" cy="895821"/>
+              <a:off x="11379448" y="5075883"/>
+              <a:ext cx="0" cy="1263646"/>
             </a:xfrm>
             <a:prstGeom prst="straightConnector1">
               <a:avLst/>
@@ -12414,8 +12269,8 @@
           </p:nvCxnSpPr>
           <p:spPr>
             <a:xfrm flipH="1" flipV="1">
-              <a:off x="8534267" y="1635986"/>
-              <a:ext cx="3135542" cy="4428454"/>
+              <a:off x="8843552" y="803839"/>
+              <a:ext cx="4422998" cy="6246781"/>
             </a:xfrm>
             <a:prstGeom prst="bentConnector3">
               <a:avLst>
@@ -12444,70 +12299,70 @@
             </a:fontRef>
           </p:style>
         </p:cxnSp>
-      </p:grpSp>
-      <p:sp>
-        <p:nvSpPr>
-          <p:cNvPr id="47" name="Rectángulo 46"/>
-          <p:cNvSpPr/>
-          <p:nvPr/>
-        </p:nvSpPr>
-        <p:spPr>
-          <a:xfrm>
-            <a:off x="188465" y="132148"/>
-            <a:ext cx="3919941" cy="697924"/>
-          </a:xfrm>
-          <a:prstGeom prst="rect">
-            <a:avLst/>
-          </a:prstGeom>
-          <a:noFill/>
-          <a:ln w="19050">
-            <a:solidFill>
-              <a:srgbClr val="DC4437"/>
-            </a:solidFill>
-          </a:ln>
-        </p:spPr>
-        <p:style>
-          <a:lnRef idx="2">
-            <a:schemeClr val="accent1">
-              <a:shade val="50000"/>
-            </a:schemeClr>
-          </a:lnRef>
-          <a:fillRef idx="1">
-            <a:schemeClr val="accent1"/>
-          </a:fillRef>
-          <a:effectRef idx="0">
-            <a:schemeClr val="accent1"/>
-          </a:effectRef>
-          <a:fontRef idx="minor">
-            <a:schemeClr val="lt1"/>
-          </a:fontRef>
-        </p:style>
-        <p:txBody>
-          <a:bodyPr rot="0" spcFirstLastPara="0" vertOverflow="overflow" horzOverflow="overflow" vert="horz" wrap="square" lIns="50596" tIns="25298" rIns="50596" bIns="25298" numCol="1" spcCol="0" rtlCol="0" fromWordArt="0" anchor="ctr" anchorCtr="0" forceAA="0" compatLnSpc="1">
-            <a:prstTxWarp prst="textNoShape">
-              <a:avLst/>
-            </a:prstTxWarp>
-            <a:noAutofit/>
-          </a:bodyPr>
-          <a:lstStyle/>
-          <a:p>
-            <a:pPr algn="ctr"/>
-            <a:r>
-              <a:rPr lang="es-CO" sz="1800" dirty="0" smtClean="0">
+        <p:sp>
+          <p:nvSpPr>
+            <p:cNvPr id="47" name="Rectángulo 46"/>
+            <p:cNvSpPr/>
+            <p:nvPr/>
+          </p:nvSpPr>
+          <p:spPr>
+            <a:xfrm>
+              <a:off x="188465" y="132148"/>
+              <a:ext cx="3919941" cy="697924"/>
+            </a:xfrm>
+            <a:prstGeom prst="rect">
+              <a:avLst/>
+            </a:prstGeom>
+            <a:noFill/>
+            <a:ln w="19050">
+              <a:solidFill>
+                <a:srgbClr val="DC4437"/>
+              </a:solidFill>
+            </a:ln>
+          </p:spPr>
+          <p:style>
+            <a:lnRef idx="2">
+              <a:schemeClr val="accent1">
+                <a:shade val="50000"/>
+              </a:schemeClr>
+            </a:lnRef>
+            <a:fillRef idx="1">
+              <a:schemeClr val="accent1"/>
+            </a:fillRef>
+            <a:effectRef idx="0">
+              <a:schemeClr val="accent1"/>
+            </a:effectRef>
+            <a:fontRef idx="minor">
+              <a:schemeClr val="lt1"/>
+            </a:fontRef>
+          </p:style>
+          <p:txBody>
+            <a:bodyPr rot="0" spcFirstLastPara="0" vertOverflow="overflow" horzOverflow="overflow" vert="horz" wrap="square" lIns="50596" tIns="25298" rIns="50596" bIns="25298" numCol="1" spcCol="0" rtlCol="0" fromWordArt="0" anchor="ctr" anchorCtr="0" forceAA="0" compatLnSpc="1">
+              <a:prstTxWarp prst="textNoShape">
+                <a:avLst/>
+              </a:prstTxWarp>
+              <a:noAutofit/>
+            </a:bodyPr>
+            <a:lstStyle/>
+            <a:p>
+              <a:pPr algn="ctr"/>
+              <a:r>
+                <a:rPr lang="es-CO" sz="1800" dirty="0" smtClean="0">
+                  <a:solidFill>
+                    <a:schemeClr val="tx1"/>
+                  </a:solidFill>
+                </a:rPr>
+                <a:t>Mapa de navegación del impresor</a:t>
+              </a:r>
+              <a:endParaRPr lang="es-CO" sz="1800" dirty="0">
                 <a:solidFill>
                   <a:schemeClr val="tx1"/>
                 </a:solidFill>
-              </a:rPr>
-              <a:t>Mapa de navegación del impresor</a:t>
-            </a:r>
-            <a:endParaRPr lang="es-CO" sz="1800" dirty="0">
-              <a:solidFill>
-                <a:schemeClr val="tx1"/>
-              </a:solidFill>
-            </a:endParaRPr>
-          </a:p>
-        </p:txBody>
-      </p:sp>
+              </a:endParaRPr>
+            </a:p>
+          </p:txBody>
+        </p:sp>
+      </p:grpSp>
     </p:spTree>
     <p:extLst>
       <p:ext uri="{BB962C8B-B14F-4D97-AF65-F5344CB8AC3E}">
@@ -12547,16 +12402,16 @@
       </p:grpSpPr>
       <p:grpSp>
         <p:nvGrpSpPr>
-          <p:cNvPr id="10" name="Grupo 9"/>
+          <p:cNvPr id="2" name="Grupo 1"/>
           <p:cNvGrpSpPr/>
           <p:nvPr/>
         </p:nvGrpSpPr>
         <p:grpSpPr>
           <a:xfrm>
-            <a:off x="646360" y="201800"/>
-            <a:ext cx="12620190" cy="12201563"/>
-            <a:chOff x="2723132" y="1209190"/>
-            <a:chExt cx="8946677" cy="8649905"/>
+            <a:off x="188465" y="132148"/>
+            <a:ext cx="13078085" cy="12271215"/>
+            <a:chOff x="188465" y="132148"/>
+            <a:chExt cx="13078085" cy="12271215"/>
           </a:xfrm>
         </p:grpSpPr>
         <p:sp>
@@ -12567,8 +12422,8 @@
           </p:nvSpPr>
           <p:spPr>
             <a:xfrm>
-              <a:off x="5858670" y="3319941"/>
-              <a:ext cx="2675597" cy="853592"/>
+              <a:off x="5069353" y="3179227"/>
+              <a:ext cx="3774199" cy="1204078"/>
             </a:xfrm>
             <a:prstGeom prst="rect">
               <a:avLst/>
@@ -12625,8 +12480,8 @@
           </p:nvSpPr>
           <p:spPr>
             <a:xfrm>
-              <a:off x="5858670" y="1209190"/>
-              <a:ext cx="2675597" cy="853592"/>
+              <a:off x="5069353" y="201800"/>
+              <a:ext cx="3774199" cy="1204078"/>
             </a:xfrm>
             <a:prstGeom prst="rect">
               <a:avLst/>
@@ -12683,8 +12538,8 @@
           </p:nvSpPr>
           <p:spPr>
             <a:xfrm>
-              <a:off x="8994212" y="5560335"/>
-              <a:ext cx="2675597" cy="1008210"/>
+              <a:off x="9492351" y="6339529"/>
+              <a:ext cx="3774199" cy="1422182"/>
             </a:xfrm>
             <a:prstGeom prst="rect">
               <a:avLst/>
@@ -12746,8 +12601,8 @@
           </p:nvSpPr>
           <p:spPr>
             <a:xfrm>
-              <a:off x="2723132" y="5597560"/>
-              <a:ext cx="2675597" cy="970985"/>
+              <a:off x="646360" y="6392038"/>
+              <a:ext cx="3774199" cy="1369672"/>
             </a:xfrm>
             <a:prstGeom prst="rect">
               <a:avLst/>
@@ -12809,8 +12664,8 @@
           </p:nvSpPr>
           <p:spPr>
             <a:xfrm>
-              <a:off x="5858670" y="5581464"/>
-              <a:ext cx="2675597" cy="1008210"/>
+              <a:off x="5069353" y="6369333"/>
+              <a:ext cx="3774199" cy="1422182"/>
             </a:xfrm>
             <a:prstGeom prst="rect">
               <a:avLst/>
@@ -12872,8 +12727,8 @@
           </p:nvSpPr>
           <p:spPr>
             <a:xfrm>
-              <a:off x="6282285" y="7022674"/>
-              <a:ext cx="2251982" cy="1208318"/>
+              <a:off x="5666904" y="8402305"/>
+              <a:ext cx="3176648" cy="1704454"/>
             </a:xfrm>
             <a:prstGeom prst="rect">
               <a:avLst/>
@@ -12935,8 +12790,8 @@
           </p:nvSpPr>
           <p:spPr>
             <a:xfrm>
-              <a:off x="3522995" y="8650777"/>
-              <a:ext cx="1873324" cy="1208318"/>
+              <a:off x="1774647" y="10698909"/>
+              <a:ext cx="2642512" cy="1704454"/>
             </a:xfrm>
             <a:prstGeom prst="rect">
               <a:avLst/>
@@ -12998,8 +12853,8 @@
           </p:nvSpPr>
           <p:spPr>
             <a:xfrm>
-              <a:off x="3144336" y="7022421"/>
-              <a:ext cx="2251982" cy="1208318"/>
+              <a:off x="1240511" y="8401948"/>
+              <a:ext cx="3176648" cy="1704454"/>
             </a:xfrm>
             <a:prstGeom prst="rect">
               <a:avLst/>
@@ -13064,8 +12919,8 @@
           </p:nvCxnSpPr>
           <p:spPr>
             <a:xfrm>
-              <a:off x="7196467" y="2062782"/>
-              <a:ext cx="0" cy="1257159"/>
+              <a:off x="6956450" y="1405878"/>
+              <a:ext cx="0" cy="1773350"/>
             </a:xfrm>
             <a:prstGeom prst="straightConnector1">
               <a:avLst/>
@@ -13100,8 +12955,8 @@
           </p:nvCxnSpPr>
           <p:spPr>
             <a:xfrm>
-              <a:off x="4060930" y="4641768"/>
-              <a:ext cx="6310772" cy="9143"/>
+              <a:off x="2533459" y="5043797"/>
+              <a:ext cx="8901980" cy="12897"/>
             </a:xfrm>
             <a:prstGeom prst="line">
               <a:avLst/>
@@ -13137,8 +12992,8 @@
           </p:nvCxnSpPr>
           <p:spPr>
             <a:xfrm>
-              <a:off x="7196467" y="4173533"/>
-              <a:ext cx="0" cy="491635"/>
+              <a:off x="6956450" y="4383305"/>
+              <a:ext cx="0" cy="693501"/>
             </a:xfrm>
             <a:prstGeom prst="line">
               <a:avLst/>
@@ -13172,8 +13027,8 @@
           </p:nvCxnSpPr>
           <p:spPr>
             <a:xfrm>
-              <a:off x="2874977" y="6605770"/>
-              <a:ext cx="0" cy="1020809"/>
+              <a:off x="860553" y="7814220"/>
+              <a:ext cx="0" cy="1439954"/>
             </a:xfrm>
             <a:prstGeom prst="line">
               <a:avLst/>
@@ -13207,8 +13062,8 @@
           </p:nvCxnSpPr>
           <p:spPr>
             <a:xfrm flipH="1">
-              <a:off x="6018879" y="6605770"/>
-              <a:ext cx="1" cy="1020809"/>
+              <a:off x="5295343" y="7814220"/>
+              <a:ext cx="1" cy="1439954"/>
             </a:xfrm>
             <a:prstGeom prst="line">
               <a:avLst/>
@@ -13242,8 +13097,8 @@
           </p:nvCxnSpPr>
           <p:spPr>
             <a:xfrm>
-              <a:off x="3276746" y="8234328"/>
-              <a:ext cx="0" cy="1020606"/>
+              <a:off x="1427288" y="10111465"/>
+              <a:ext cx="0" cy="1439668"/>
             </a:xfrm>
             <a:prstGeom prst="line">
               <a:avLst/>
@@ -13279,8 +13134,8 @@
           </p:nvCxnSpPr>
           <p:spPr>
             <a:xfrm>
-              <a:off x="2877909" y="7626579"/>
-              <a:ext cx="266427" cy="2"/>
+              <a:off x="864689" y="9254174"/>
+              <a:ext cx="375822" cy="3"/>
             </a:xfrm>
             <a:prstGeom prst="straightConnector1">
               <a:avLst/>
@@ -13315,8 +13170,8 @@
           </p:nvCxnSpPr>
           <p:spPr>
             <a:xfrm>
-              <a:off x="6018878" y="7626827"/>
-              <a:ext cx="263407" cy="9"/>
+              <a:off x="5295342" y="9254524"/>
+              <a:ext cx="371562" cy="13"/>
             </a:xfrm>
             <a:prstGeom prst="straightConnector1">
               <a:avLst/>
@@ -13353,8 +13208,8 @@
           </p:nvCxnSpPr>
           <p:spPr>
             <a:xfrm>
-              <a:off x="3276746" y="9254934"/>
-              <a:ext cx="246248" cy="2"/>
+              <a:off x="1427288" y="11551133"/>
+              <a:ext cx="347358" cy="3"/>
             </a:xfrm>
             <a:prstGeom prst="straightConnector1">
               <a:avLst/>
@@ -13391,8 +13246,8 @@
           </p:nvCxnSpPr>
           <p:spPr>
             <a:xfrm>
-              <a:off x="4060930" y="4632574"/>
-              <a:ext cx="2" cy="964986"/>
+              <a:off x="2533459" y="5030828"/>
+              <a:ext cx="3" cy="1361210"/>
             </a:xfrm>
             <a:prstGeom prst="straightConnector1">
               <a:avLst/>
@@ -13429,8 +13284,8 @@
           </p:nvCxnSpPr>
           <p:spPr>
             <a:xfrm>
-              <a:off x="7196470" y="4664514"/>
-              <a:ext cx="0" cy="916950"/>
+              <a:off x="6956454" y="5075883"/>
+              <a:ext cx="0" cy="1293450"/>
             </a:xfrm>
             <a:prstGeom prst="straightConnector1">
               <a:avLst/>
@@ -13467,8 +13322,8 @@
           </p:nvCxnSpPr>
           <p:spPr>
             <a:xfrm>
-              <a:off x="10332009" y="4664514"/>
-              <a:ext cx="0" cy="895821"/>
+              <a:off x="11379448" y="5075883"/>
+              <a:ext cx="0" cy="1263646"/>
             </a:xfrm>
             <a:prstGeom prst="straightConnector1">
               <a:avLst/>
@@ -13506,8 +13361,8 @@
           </p:nvCxnSpPr>
           <p:spPr>
             <a:xfrm flipH="1" flipV="1">
-              <a:off x="8534267" y="1635986"/>
-              <a:ext cx="3135542" cy="4428454"/>
+              <a:off x="8843552" y="803839"/>
+              <a:ext cx="4422998" cy="6246781"/>
             </a:xfrm>
             <a:prstGeom prst="bentConnector3">
               <a:avLst>
@@ -13536,70 +13391,70 @@
             </a:fontRef>
           </p:style>
         </p:cxnSp>
-      </p:grpSp>
-      <p:sp>
-        <p:nvSpPr>
-          <p:cNvPr id="47" name="Rectángulo 46"/>
-          <p:cNvSpPr/>
-          <p:nvPr/>
-        </p:nvSpPr>
-        <p:spPr>
-          <a:xfrm>
-            <a:off x="188465" y="132148"/>
-            <a:ext cx="3919941" cy="697924"/>
-          </a:xfrm>
-          <a:prstGeom prst="rect">
-            <a:avLst/>
-          </a:prstGeom>
-          <a:noFill/>
-          <a:ln w="19050">
-            <a:solidFill>
-              <a:srgbClr val="DC4437"/>
-            </a:solidFill>
-          </a:ln>
-        </p:spPr>
-        <p:style>
-          <a:lnRef idx="2">
-            <a:schemeClr val="accent1">
-              <a:shade val="50000"/>
-            </a:schemeClr>
-          </a:lnRef>
-          <a:fillRef idx="1">
-            <a:schemeClr val="accent1"/>
-          </a:fillRef>
-          <a:effectRef idx="0">
-            <a:schemeClr val="accent1"/>
-          </a:effectRef>
-          <a:fontRef idx="minor">
-            <a:schemeClr val="lt1"/>
-          </a:fontRef>
-        </p:style>
-        <p:txBody>
-          <a:bodyPr rot="0" spcFirstLastPara="0" vertOverflow="overflow" horzOverflow="overflow" vert="horz" wrap="square" lIns="50596" tIns="25298" rIns="50596" bIns="25298" numCol="1" spcCol="0" rtlCol="0" fromWordArt="0" anchor="ctr" anchorCtr="0" forceAA="0" compatLnSpc="1">
-            <a:prstTxWarp prst="textNoShape">
-              <a:avLst/>
-            </a:prstTxWarp>
-            <a:noAutofit/>
-          </a:bodyPr>
-          <a:lstStyle/>
-          <a:p>
-            <a:pPr algn="ctr"/>
-            <a:r>
-              <a:rPr lang="es-CO" sz="1800" dirty="0" smtClean="0">
+        <p:sp>
+          <p:nvSpPr>
+            <p:cNvPr id="47" name="Rectángulo 46"/>
+            <p:cNvSpPr/>
+            <p:nvPr/>
+          </p:nvSpPr>
+          <p:spPr>
+            <a:xfrm>
+              <a:off x="188465" y="132148"/>
+              <a:ext cx="3919941" cy="697924"/>
+            </a:xfrm>
+            <a:prstGeom prst="rect">
+              <a:avLst/>
+            </a:prstGeom>
+            <a:noFill/>
+            <a:ln w="19050">
+              <a:solidFill>
+                <a:srgbClr val="DC4437"/>
+              </a:solidFill>
+            </a:ln>
+          </p:spPr>
+          <p:style>
+            <a:lnRef idx="2">
+              <a:schemeClr val="accent1">
+                <a:shade val="50000"/>
+              </a:schemeClr>
+            </a:lnRef>
+            <a:fillRef idx="1">
+              <a:schemeClr val="accent1"/>
+            </a:fillRef>
+            <a:effectRef idx="0">
+              <a:schemeClr val="accent1"/>
+            </a:effectRef>
+            <a:fontRef idx="minor">
+              <a:schemeClr val="lt1"/>
+            </a:fontRef>
+          </p:style>
+          <p:txBody>
+            <a:bodyPr rot="0" spcFirstLastPara="0" vertOverflow="overflow" horzOverflow="overflow" vert="horz" wrap="square" lIns="50596" tIns="25298" rIns="50596" bIns="25298" numCol="1" spcCol="0" rtlCol="0" fromWordArt="0" anchor="ctr" anchorCtr="0" forceAA="0" compatLnSpc="1">
+              <a:prstTxWarp prst="textNoShape">
+                <a:avLst/>
+              </a:prstTxWarp>
+              <a:noAutofit/>
+            </a:bodyPr>
+            <a:lstStyle/>
+            <a:p>
+              <a:pPr algn="ctr"/>
+              <a:r>
+                <a:rPr lang="es-CO" sz="1800" dirty="0" smtClean="0">
+                  <a:solidFill>
+                    <a:schemeClr val="tx1"/>
+                  </a:solidFill>
+                </a:rPr>
+                <a:t>Mapa de navegación del sellador</a:t>
+              </a:r>
+              <a:endParaRPr lang="es-CO" sz="1800" dirty="0">
                 <a:solidFill>
                   <a:schemeClr val="tx1"/>
                 </a:solidFill>
-              </a:rPr>
-              <a:t>Mapa de navegación del sellador</a:t>
-            </a:r>
-            <a:endParaRPr lang="es-CO" sz="1800" dirty="0">
-              <a:solidFill>
-                <a:schemeClr val="tx1"/>
-              </a:solidFill>
-            </a:endParaRPr>
-          </a:p>
-        </p:txBody>
-      </p:sp>
+              </a:endParaRPr>
+            </a:p>
+          </p:txBody>
+        </p:sp>
+      </p:grpSp>
     </p:spTree>
     <p:extLst>
       <p:ext uri="{BB962C8B-B14F-4D97-AF65-F5344CB8AC3E}">

--- a/trunk/Documentos/mapa navegacional.pptx
+++ b/trunk/Documentos/mapa navegacional.pptx
@@ -212,7 +212,7 @@
           <a:p>
             <a:fld id="{D56528A0-FCD9-4CA3-A1F8-A93FC30FFC54}" type="datetimeFigureOut">
               <a:rPr lang="es-CO" smtClean="0"/>
-              <a:t>27/03/2014</a:t>
+              <a:t>04/04/2014</a:t>
             </a:fld>
             <a:endParaRPr lang="es-CO"/>
           </a:p>
@@ -967,7 +967,7 @@
           <a:p>
             <a:fld id="{C8FC6882-9983-425E-8ADC-A3D5216CFB3A}" type="datetimeFigureOut">
               <a:rPr lang="es-CO" smtClean="0"/>
-              <a:t>27/03/2014</a:t>
+              <a:t>04/04/2014</a:t>
             </a:fld>
             <a:endParaRPr lang="es-CO"/>
           </a:p>
@@ -1137,7 +1137,7 @@
           <a:p>
             <a:fld id="{C8FC6882-9983-425E-8ADC-A3D5216CFB3A}" type="datetimeFigureOut">
               <a:rPr lang="es-CO" smtClean="0"/>
-              <a:t>27/03/2014</a:t>
+              <a:t>04/04/2014</a:t>
             </a:fld>
             <a:endParaRPr lang="es-CO"/>
           </a:p>
@@ -1317,7 +1317,7 @@
           <a:p>
             <a:fld id="{C8FC6882-9983-425E-8ADC-A3D5216CFB3A}" type="datetimeFigureOut">
               <a:rPr lang="es-CO" smtClean="0"/>
-              <a:t>27/03/2014</a:t>
+              <a:t>04/04/2014</a:t>
             </a:fld>
             <a:endParaRPr lang="es-CO"/>
           </a:p>
@@ -1487,7 +1487,7 @@
           <a:p>
             <a:fld id="{C8FC6882-9983-425E-8ADC-A3D5216CFB3A}" type="datetimeFigureOut">
               <a:rPr lang="es-CO" smtClean="0"/>
-              <a:t>27/03/2014</a:t>
+              <a:t>04/04/2014</a:t>
             </a:fld>
             <a:endParaRPr lang="es-CO"/>
           </a:p>
@@ -1731,7 +1731,7 @@
           <a:p>
             <a:fld id="{C8FC6882-9983-425E-8ADC-A3D5216CFB3A}" type="datetimeFigureOut">
               <a:rPr lang="es-CO" smtClean="0"/>
-              <a:t>27/03/2014</a:t>
+              <a:t>04/04/2014</a:t>
             </a:fld>
             <a:endParaRPr lang="es-CO"/>
           </a:p>
@@ -1963,7 +1963,7 @@
           <a:p>
             <a:fld id="{C8FC6882-9983-425E-8ADC-A3D5216CFB3A}" type="datetimeFigureOut">
               <a:rPr lang="es-CO" smtClean="0"/>
-              <a:t>27/03/2014</a:t>
+              <a:t>04/04/2014</a:t>
             </a:fld>
             <a:endParaRPr lang="es-CO"/>
           </a:p>
@@ -2330,7 +2330,7 @@
           <a:p>
             <a:fld id="{C8FC6882-9983-425E-8ADC-A3D5216CFB3A}" type="datetimeFigureOut">
               <a:rPr lang="es-CO" smtClean="0"/>
-              <a:t>27/03/2014</a:t>
+              <a:t>04/04/2014</a:t>
             </a:fld>
             <a:endParaRPr lang="es-CO"/>
           </a:p>
@@ -2448,7 +2448,7 @@
           <a:p>
             <a:fld id="{C8FC6882-9983-425E-8ADC-A3D5216CFB3A}" type="datetimeFigureOut">
               <a:rPr lang="es-CO" smtClean="0"/>
-              <a:t>27/03/2014</a:t>
+              <a:t>04/04/2014</a:t>
             </a:fld>
             <a:endParaRPr lang="es-CO"/>
           </a:p>
@@ -2543,7 +2543,7 @@
           <a:p>
             <a:fld id="{C8FC6882-9983-425E-8ADC-A3D5216CFB3A}" type="datetimeFigureOut">
               <a:rPr lang="es-CO" smtClean="0"/>
-              <a:t>27/03/2014</a:t>
+              <a:t>04/04/2014</a:t>
             </a:fld>
             <a:endParaRPr lang="es-CO"/>
           </a:p>
@@ -2820,7 +2820,7 @@
           <a:p>
             <a:fld id="{C8FC6882-9983-425E-8ADC-A3D5216CFB3A}" type="datetimeFigureOut">
               <a:rPr lang="es-CO" smtClean="0"/>
-              <a:t>27/03/2014</a:t>
+              <a:t>04/04/2014</a:t>
             </a:fld>
             <a:endParaRPr lang="es-CO"/>
           </a:p>
@@ -3077,7 +3077,7 @@
           <a:p>
             <a:fld id="{C8FC6882-9983-425E-8ADC-A3D5216CFB3A}" type="datetimeFigureOut">
               <a:rPr lang="es-CO" smtClean="0"/>
-              <a:t>27/03/2014</a:t>
+              <a:t>04/04/2014</a:t>
             </a:fld>
             <a:endParaRPr lang="es-CO"/>
           </a:p>
@@ -3290,7 +3290,7 @@
           <a:p>
             <a:fld id="{C8FC6882-9983-425E-8ADC-A3D5216CFB3A}" type="datetimeFigureOut">
               <a:rPr lang="es-CO" smtClean="0"/>
-              <a:t>27/03/2014</a:t>
+              <a:t>04/04/2014</a:t>
             </a:fld>
             <a:endParaRPr lang="es-CO"/>
           </a:p>
@@ -8234,13 +8234,18 @@
             <a:p>
               <a:pPr algn="ctr"/>
               <a:r>
-                <a:rPr lang="es-CO" sz="1200" dirty="0">
+                <a:rPr lang="es-CO" sz="1200" dirty="0" smtClean="0">
                   <a:solidFill>
                     <a:schemeClr val="tx1"/>
                   </a:solidFill>
                 </a:rPr>
-                <a:t>Buscar</a:t>
+                <a:t>Ordenes finalizadas</a:t>
               </a:r>
+              <a:endParaRPr lang="es-CO" sz="1200" dirty="0">
+                <a:solidFill>
+                  <a:schemeClr val="tx1"/>
+                </a:solidFill>
+              </a:endParaRPr>
             </a:p>
           </p:txBody>
         </p:sp>
